--- a/O3653-4 Deep Dive into Office 365 APIs for SharePoint Site services/O3653-4 Deep Dive into Office 365 APIs for SharePoint Site services.pptx
+++ b/O3653-4 Deep Dive into Office 365 APIs for SharePoint Site services/O3653-4 Deep Dive into Office 365 APIs for SharePoint Site services.pptx
@@ -1134,6 +1134,615 @@
 </p:notes>
 </file>
 
+<file path=ppt/notesSlides/notesSlide10.xml><?xml version="1.0" encoding="utf-8"?>
+<p:notes xmlns:a="http://schemas.openxmlformats.org/drawingml/2006/main" xmlns:r="http://schemas.openxmlformats.org/officeDocument/2006/relationships" xmlns:p="http://schemas.openxmlformats.org/presentationml/2006/main">
+  <p:cSld>
+    <p:spTree>
+      <p:nvGrpSpPr>
+        <p:cNvPr id="1" name=""/>
+        <p:cNvGrpSpPr/>
+        <p:nvPr/>
+      </p:nvGrpSpPr>
+      <p:grpSpPr>
+        <a:xfrm>
+          <a:off x="0" y="0"/>
+          <a:ext cx="0" cy="0"/>
+          <a:chOff x="0" y="0"/>
+          <a:chExt cx="0" cy="0"/>
+        </a:xfrm>
+      </p:grpSpPr>
+      <p:sp>
+        <p:nvSpPr>
+          <p:cNvPr id="2" name="Slide Image Placeholder 1"/>
+          <p:cNvSpPr>
+            <a:spLocks noGrp="1" noRot="1" noChangeAspect="1"/>
+          </p:cNvSpPr>
+          <p:nvPr>
+            <p:ph type="sldImg"/>
+          </p:nvPr>
+        </p:nvSpPr>
+        <p:spPr/>
+      </p:sp>
+      <p:sp>
+        <p:nvSpPr>
+          <p:cNvPr id="3" name="Notes Placeholder 2"/>
+          <p:cNvSpPr>
+            <a:spLocks noGrp="1"/>
+          </p:cNvSpPr>
+          <p:nvPr>
+            <p:ph type="body" idx="1"/>
+          </p:nvPr>
+        </p:nvSpPr>
+        <p:spPr/>
+        <p:txBody>
+          <a:bodyPr/>
+          <a:lstStyle/>
+          <a:p>
+            <a:endParaRPr lang="en-US" dirty="0"/>
+          </a:p>
+        </p:txBody>
+      </p:sp>
+      <p:sp>
+        <p:nvSpPr>
+          <p:cNvPr id="4" name="Date Placeholder 3"/>
+          <p:cNvSpPr>
+            <a:spLocks noGrp="1"/>
+          </p:cNvSpPr>
+          <p:nvPr>
+            <p:ph type="dt" idx="10"/>
+          </p:nvPr>
+        </p:nvSpPr>
+        <p:spPr/>
+        <p:txBody>
+          <a:bodyPr/>
+          <a:lstStyle/>
+          <a:p>
+            <a:fld id="{FA286CF7-BB83-4FDF-AC68-569118A3F32E}" type="datetime1">
+              <a:rPr lang="en-US" smtClean="0"/>
+              <a:t>9/5/2014</a:t>
+            </a:fld>
+            <a:endParaRPr lang="en-US"/>
+          </a:p>
+        </p:txBody>
+      </p:sp>
+      <p:sp>
+        <p:nvSpPr>
+          <p:cNvPr id="5" name="Slide Number Placeholder 4"/>
+          <p:cNvSpPr>
+            <a:spLocks noGrp="1"/>
+          </p:cNvSpPr>
+          <p:nvPr>
+            <p:ph type="sldNum" sz="quarter" idx="11"/>
+          </p:nvPr>
+        </p:nvSpPr>
+        <p:spPr/>
+        <p:txBody>
+          <a:bodyPr/>
+          <a:lstStyle/>
+          <a:p>
+            <a:fld id="{B4008EB6-D09E-4580-8CD6-DDB14511944F}" type="slidenum">
+              <a:rPr lang="en-US" smtClean="0"/>
+              <a:t>19</a:t>
+            </a:fld>
+            <a:endParaRPr lang="en-US" dirty="0"/>
+          </a:p>
+        </p:txBody>
+      </p:sp>
+      <p:sp>
+        <p:nvSpPr>
+          <p:cNvPr id="6" name="Header Placeholder 5"/>
+          <p:cNvSpPr>
+            <a:spLocks noGrp="1"/>
+          </p:cNvSpPr>
+          <p:nvPr>
+            <p:ph type="hdr" sz="quarter" idx="12"/>
+          </p:nvPr>
+        </p:nvSpPr>
+        <p:spPr/>
+        <p:txBody>
+          <a:bodyPr/>
+          <a:lstStyle/>
+          <a:p>
+            <a:r>
+              <a:rPr lang="en-US" smtClean="0"/>
+              <a:t>Microsoft Office</a:t>
+            </a:r>
+            <a:endParaRPr lang="en-US" dirty="0"/>
+          </a:p>
+        </p:txBody>
+      </p:sp>
+      <p:sp>
+        <p:nvSpPr>
+          <p:cNvPr id="7" name="Footer Placeholder 6"/>
+          <p:cNvSpPr>
+            <a:spLocks noGrp="1"/>
+          </p:cNvSpPr>
+          <p:nvPr>
+            <p:ph type="ftr" sz="quarter" idx="13"/>
+          </p:nvPr>
+        </p:nvSpPr>
+        <p:spPr/>
+        <p:txBody>
+          <a:bodyPr/>
+          <a:lstStyle/>
+          <a:p>
+            <a:pPr marL="231775" defTabSz="914099" eaLnBrk="0" hangingPunct="0"/>
+            <a:r>
+              <a:rPr lang="en-US" sz="500" smtClean="0">
+                <a:gradFill>
+                  <a:gsLst>
+                    <a:gs pos="0">
+                      <a:schemeClr val="tx1"/>
+                    </a:gs>
+                    <a:gs pos="100000">
+                      <a:schemeClr val="tx1"/>
+                    </a:gs>
+                  </a:gsLst>
+                  <a:lin ang="5400000" scaled="0"/>
+                </a:gradFill>
+                <a:latin typeface="Segoe UI" pitchFamily="34" charset="0"/>
+                <a:ea typeface="Segoe UI" pitchFamily="34" charset="0"/>
+                <a:cs typeface="Segoe UI" pitchFamily="34" charset="0"/>
+              </a:rPr>
+              <a:t>© 2012 Microsoft Corporation. All rights reserved. Microsoft, Windows, and other product names are or may be registered trademarks and/or trademarks in the U.S. and/or other countries.</a:t>
+            </a:r>
+          </a:p>
+          <a:p>
+            <a:pPr marL="231775" defTabSz="914099" eaLnBrk="0" hangingPunct="0"/>
+            <a:r>
+              <a:rPr lang="en-US" sz="500" smtClean="0">
+                <a:gradFill>
+                  <a:gsLst>
+                    <a:gs pos="0">
+                      <a:schemeClr val="tx1"/>
+                    </a:gs>
+                    <a:gs pos="100000">
+                      <a:schemeClr val="tx1"/>
+                    </a:gs>
+                  </a:gsLst>
+                  <a:lin ang="5400000" scaled="0"/>
+                </a:gradFill>
+                <a:latin typeface="Segoe UI" pitchFamily="34" charset="0"/>
+                <a:ea typeface="Segoe UI" pitchFamily="34" charset="0"/>
+                <a:cs typeface="Segoe UI" pitchFamily="34" charset="0"/>
+              </a:rPr>
+              <a:t>The information herein is for informational purposes only and represents the current view of Microsoft Corporation as of the date of this presentation.  Because Microsoft must respond to changing market conditions, it should not be interpreted to be a commitment on the part of Microsoft, and Microsoft cannot guarantee the accuracy of any information provided after the date of this presentation.  MICROSOFT MAKES NO WARRANTIES, EXPRESS, IMPLIED OR STATUTORY, AS TO THE INFORMATION IN THIS PRESENTATION.</a:t>
+            </a:r>
+            <a:endParaRPr lang="en-US" sz="500" dirty="0">
+              <a:gradFill>
+                <a:gsLst>
+                  <a:gs pos="0">
+                    <a:schemeClr val="tx1"/>
+                  </a:gs>
+                  <a:gs pos="100000">
+                    <a:schemeClr val="tx1"/>
+                  </a:gs>
+                </a:gsLst>
+                <a:lin ang="5400000" scaled="0"/>
+              </a:gradFill>
+              <a:latin typeface="Segoe UI" pitchFamily="34" charset="0"/>
+              <a:ea typeface="Segoe UI" pitchFamily="34" charset="0"/>
+              <a:cs typeface="Segoe UI" pitchFamily="34" charset="0"/>
+            </a:endParaRPr>
+          </a:p>
+        </p:txBody>
+      </p:sp>
+    </p:spTree>
+    <p:extLst>
+      <p:ext uri="{BB962C8B-B14F-4D97-AF65-F5344CB8AC3E}">
+        <p14:creationId xmlns:p14="http://schemas.microsoft.com/office/powerpoint/2010/main" val="2134930651"/>
+      </p:ext>
+    </p:extLst>
+  </p:cSld>
+  <p:clrMapOvr>
+    <a:masterClrMapping/>
+  </p:clrMapOvr>
+</p:notes>
+</file>
+
+<file path=ppt/notesSlides/notesSlide11.xml><?xml version="1.0" encoding="utf-8"?>
+<p:notes xmlns:a="http://schemas.openxmlformats.org/drawingml/2006/main" xmlns:r="http://schemas.openxmlformats.org/officeDocument/2006/relationships" xmlns:p="http://schemas.openxmlformats.org/presentationml/2006/main">
+  <p:cSld>
+    <p:spTree>
+      <p:nvGrpSpPr>
+        <p:cNvPr id="1" name=""/>
+        <p:cNvGrpSpPr/>
+        <p:nvPr/>
+      </p:nvGrpSpPr>
+      <p:grpSpPr>
+        <a:xfrm>
+          <a:off x="0" y="0"/>
+          <a:ext cx="0" cy="0"/>
+          <a:chOff x="0" y="0"/>
+          <a:chExt cx="0" cy="0"/>
+        </a:xfrm>
+      </p:grpSpPr>
+      <p:sp>
+        <p:nvSpPr>
+          <p:cNvPr id="2" name="Slide Image Placeholder 1"/>
+          <p:cNvSpPr>
+            <a:spLocks noGrp="1" noRot="1" noChangeAspect="1"/>
+          </p:cNvSpPr>
+          <p:nvPr>
+            <p:ph type="sldImg"/>
+          </p:nvPr>
+        </p:nvSpPr>
+        <p:spPr/>
+      </p:sp>
+      <p:sp>
+        <p:nvSpPr>
+          <p:cNvPr id="3" name="Notes Placeholder 2"/>
+          <p:cNvSpPr>
+            <a:spLocks noGrp="1"/>
+          </p:cNvSpPr>
+          <p:nvPr>
+            <p:ph type="body" idx="1"/>
+          </p:nvPr>
+        </p:nvSpPr>
+        <p:spPr/>
+        <p:txBody>
+          <a:bodyPr/>
+          <a:lstStyle/>
+          <a:p>
+            <a:endParaRPr lang="en-US" dirty="0"/>
+          </a:p>
+        </p:txBody>
+      </p:sp>
+      <p:sp>
+        <p:nvSpPr>
+          <p:cNvPr id="4" name="Footer Placeholder 3"/>
+          <p:cNvSpPr>
+            <a:spLocks noGrp="1"/>
+          </p:cNvSpPr>
+          <p:nvPr>
+            <p:ph type="ftr" sz="quarter" idx="10"/>
+          </p:nvPr>
+        </p:nvSpPr>
+        <p:spPr/>
+        <p:txBody>
+          <a:bodyPr/>
+          <a:lstStyle/>
+          <a:p>
+            <a:pPr defTabSz="914099" eaLnBrk="0" hangingPunct="0"/>
+            <a:r>
+              <a:rPr lang="en-US" sz="400" smtClean="0">
+                <a:gradFill>
+                  <a:gsLst>
+                    <a:gs pos="0">
+                      <a:prstClr val="black"/>
+                    </a:gs>
+                    <a:gs pos="100000">
+                      <a:prstClr val="black"/>
+                    </a:gs>
+                  </a:gsLst>
+                  <a:lin ang="5400000" scaled="0"/>
+                </a:gradFill>
+                <a:latin typeface="Segoe UI" pitchFamily="34" charset="0"/>
+                <a:ea typeface="Segoe UI" pitchFamily="34" charset="0"/>
+                <a:cs typeface="Segoe UI" pitchFamily="34" charset="0"/>
+              </a:rPr>
+              <a:t>© 2014 Microsoft Corporation. All rights reserved. Microsoft, Windows, and other product names are or may be registered trademarks and/or trademarks in the U.S. and/or other countries. The information herein is for informational purposes only and represents the current view of Microsoft Corporation as of the date of this presentation.  Because Microsoft must respond to changing market conditions, it should not be interpreted to be a commitment on the part of Microsoft, and Microsoft cannot guarantee the accuracy of any information provided after the date of this presentation.  MICROSOFT MAKES NO WARRANTIES, EXPRESS, IMPLIED OR STATUTORY, AS TO THE INFORMATION IN THIS PRESENTATION.</a:t>
+            </a:r>
+            <a:endParaRPr lang="en-US" sz="400" dirty="0" smtClean="0">
+              <a:gradFill>
+                <a:gsLst>
+                  <a:gs pos="0">
+                    <a:prstClr val="black"/>
+                  </a:gs>
+                  <a:gs pos="100000">
+                    <a:prstClr val="black"/>
+                  </a:gs>
+                </a:gsLst>
+                <a:lin ang="5400000" scaled="0"/>
+              </a:gradFill>
+              <a:latin typeface="Segoe UI" pitchFamily="34" charset="0"/>
+              <a:ea typeface="Segoe UI" pitchFamily="34" charset="0"/>
+              <a:cs typeface="Segoe UI" pitchFamily="34" charset="0"/>
+            </a:endParaRPr>
+          </a:p>
+        </p:txBody>
+      </p:sp>
+      <p:sp>
+        <p:nvSpPr>
+          <p:cNvPr id="5" name="Date Placeholder 4"/>
+          <p:cNvSpPr>
+            <a:spLocks noGrp="1"/>
+          </p:cNvSpPr>
+          <p:nvPr>
+            <p:ph type="dt" idx="11"/>
+          </p:nvPr>
+        </p:nvSpPr>
+        <p:spPr/>
+        <p:txBody>
+          <a:bodyPr/>
+          <a:lstStyle/>
+          <a:p>
+            <a:fld id="{B079C3B8-7366-4A44-A34B-3977080C19E7}" type="datetime1">
+              <a:rPr lang="en-US" smtClean="0"/>
+              <a:t>9/5/2014</a:t>
+            </a:fld>
+            <a:endParaRPr lang="en-US" dirty="0"/>
+          </a:p>
+        </p:txBody>
+      </p:sp>
+      <p:sp>
+        <p:nvSpPr>
+          <p:cNvPr id="6" name="Slide Number Placeholder 5"/>
+          <p:cNvSpPr>
+            <a:spLocks noGrp="1"/>
+          </p:cNvSpPr>
+          <p:nvPr>
+            <p:ph type="sldNum" sz="quarter" idx="12"/>
+          </p:nvPr>
+        </p:nvSpPr>
+        <p:spPr/>
+        <p:txBody>
+          <a:bodyPr/>
+          <a:lstStyle/>
+          <a:p>
+            <a:fld id="{B4008EB6-D09E-4580-8CD6-DDB14511944F}" type="slidenum">
+              <a:rPr lang="en-US" smtClean="0"/>
+              <a:pPr/>
+              <a:t>21</a:t>
+            </a:fld>
+            <a:endParaRPr lang="en-US" dirty="0"/>
+          </a:p>
+        </p:txBody>
+      </p:sp>
+      <p:sp>
+        <p:nvSpPr>
+          <p:cNvPr id="7" name="Header Placeholder 6"/>
+          <p:cNvSpPr>
+            <a:spLocks noGrp="1"/>
+          </p:cNvSpPr>
+          <p:nvPr>
+            <p:ph type="hdr" sz="quarter" idx="13"/>
+          </p:nvPr>
+        </p:nvSpPr>
+        <p:spPr/>
+        <p:txBody>
+          <a:bodyPr/>
+          <a:lstStyle/>
+          <a:p>
+            <a:r>
+              <a:rPr lang="en-US" smtClean="0"/>
+              <a:t>Build 2014</a:t>
+            </a:r>
+            <a:endParaRPr lang="en-US" dirty="0"/>
+          </a:p>
+        </p:txBody>
+      </p:sp>
+    </p:spTree>
+    <p:extLst>
+      <p:ext uri="{BB962C8B-B14F-4D97-AF65-F5344CB8AC3E}">
+        <p14:creationId xmlns:p14="http://schemas.microsoft.com/office/powerpoint/2010/main" val="2880687264"/>
+      </p:ext>
+    </p:extLst>
+  </p:cSld>
+  <p:clrMapOvr>
+    <a:masterClrMapping/>
+  </p:clrMapOvr>
+</p:notes>
+</file>
+
+<file path=ppt/notesSlides/notesSlide12.xml><?xml version="1.0" encoding="utf-8"?>
+<p:notes xmlns:a="http://schemas.openxmlformats.org/drawingml/2006/main" xmlns:r="http://schemas.openxmlformats.org/officeDocument/2006/relationships" xmlns:p="http://schemas.openxmlformats.org/presentationml/2006/main">
+  <p:cSld>
+    <p:spTree>
+      <p:nvGrpSpPr>
+        <p:cNvPr id="1" name=""/>
+        <p:cNvGrpSpPr/>
+        <p:nvPr/>
+      </p:nvGrpSpPr>
+      <p:grpSpPr>
+        <a:xfrm>
+          <a:off x="0" y="0"/>
+          <a:ext cx="0" cy="0"/>
+          <a:chOff x="0" y="0"/>
+          <a:chExt cx="0" cy="0"/>
+        </a:xfrm>
+      </p:grpSpPr>
+      <p:sp>
+        <p:nvSpPr>
+          <p:cNvPr id="2" name="Slide Image Placeholder 1"/>
+          <p:cNvSpPr>
+            <a:spLocks noGrp="1" noRot="1" noChangeAspect="1"/>
+          </p:cNvSpPr>
+          <p:nvPr>
+            <p:ph type="sldImg"/>
+          </p:nvPr>
+        </p:nvSpPr>
+        <p:spPr/>
+      </p:sp>
+      <p:sp>
+        <p:nvSpPr>
+          <p:cNvPr id="3" name="Notes Placeholder 2"/>
+          <p:cNvSpPr>
+            <a:spLocks noGrp="1"/>
+          </p:cNvSpPr>
+          <p:nvPr>
+            <p:ph type="body" idx="1"/>
+          </p:nvPr>
+        </p:nvSpPr>
+        <p:spPr/>
+        <p:txBody>
+          <a:bodyPr/>
+          <a:lstStyle/>
+          <a:p>
+            <a:endParaRPr lang="en-US"/>
+          </a:p>
+        </p:txBody>
+      </p:sp>
+      <p:sp>
+        <p:nvSpPr>
+          <p:cNvPr id="4" name="Header Placeholder 3"/>
+          <p:cNvSpPr>
+            <a:spLocks noGrp="1"/>
+          </p:cNvSpPr>
+          <p:nvPr>
+            <p:ph type="hdr" sz="quarter" idx="10"/>
+          </p:nvPr>
+        </p:nvSpPr>
+        <p:spPr>
+          <a:xfrm>
+            <a:off x="0" y="0"/>
+            <a:ext cx="2971800" cy="457200"/>
+          </a:xfrm>
+          <a:prstGeom prst="rect">
+            <a:avLst/>
+          </a:prstGeom>
+        </p:spPr>
+        <p:txBody>
+          <a:bodyPr/>
+          <a:lstStyle/>
+          <a:p>
+            <a:endParaRPr lang="en-US" dirty="0"/>
+          </a:p>
+        </p:txBody>
+      </p:sp>
+      <p:sp>
+        <p:nvSpPr>
+          <p:cNvPr id="5" name="Footer Placeholder 4"/>
+          <p:cNvSpPr>
+            <a:spLocks noGrp="1"/>
+          </p:cNvSpPr>
+          <p:nvPr>
+            <p:ph type="ftr" sz="quarter" idx="11"/>
+          </p:nvPr>
+        </p:nvSpPr>
+        <p:spPr>
+          <a:xfrm>
+            <a:off x="0" y="8686800"/>
+            <a:ext cx="5920740" cy="355964"/>
+          </a:xfrm>
+          <a:prstGeom prst="rect">
+            <a:avLst/>
+          </a:prstGeom>
+        </p:spPr>
+        <p:txBody>
+          <a:bodyPr/>
+          <a:lstStyle/>
+          <a:p>
+            <a:pPr defTabSz="914099" eaLnBrk="0" hangingPunct="0"/>
+            <a:r>
+              <a:rPr lang="en-US" sz="400" smtClean="0">
+                <a:gradFill>
+                  <a:gsLst>
+                    <a:gs pos="0">
+                      <a:prstClr val="black"/>
+                    </a:gs>
+                    <a:gs pos="100000">
+                      <a:prstClr val="black"/>
+                    </a:gs>
+                  </a:gsLst>
+                  <a:lin ang="5400000" scaled="0"/>
+                </a:gradFill>
+                <a:latin typeface="Segoe UI" pitchFamily="34" charset="0"/>
+                <a:ea typeface="Segoe UI" pitchFamily="34" charset="0"/>
+                <a:cs typeface="Segoe UI" pitchFamily="34" charset="0"/>
+              </a:rPr>
+              <a:t>© 2012 Microsoft Corporation. All rights reserved. Microsoft, Windows, and other product names are or may be registered trademarks and/or trademarks in the U.S. and/or other countries.</a:t>
+            </a:r>
+          </a:p>
+          <a:p>
+            <a:pPr defTabSz="914099" eaLnBrk="0" hangingPunct="0"/>
+            <a:r>
+              <a:rPr lang="en-US" sz="400" smtClean="0">
+                <a:gradFill>
+                  <a:gsLst>
+                    <a:gs pos="0">
+                      <a:prstClr val="black"/>
+                    </a:gs>
+                    <a:gs pos="100000">
+                      <a:prstClr val="black"/>
+                    </a:gs>
+                  </a:gsLst>
+                  <a:lin ang="5400000" scaled="0"/>
+                </a:gradFill>
+                <a:latin typeface="Segoe UI" pitchFamily="34" charset="0"/>
+                <a:ea typeface="Segoe UI" pitchFamily="34" charset="0"/>
+                <a:cs typeface="Segoe UI" pitchFamily="34" charset="0"/>
+              </a:rPr>
+              <a:t>The information herein is for informational purposes only and represents the current view of Microsoft Corporation as of the date of this presentation.  Because Microsoft must respond to changing market conditions, it should not be interpreted to be a commitment on the part of Microsoft, and Microsoft cannot guarantee the accuracy of any information provided after the date of this presentation.  MICROSOFT MAKES NO WARRANTIES, EXPRESS, IMPLIED OR STATUTORY, AS TO THE INFORMATION IN THIS PRESENTATION.</a:t>
+            </a:r>
+            <a:endParaRPr lang="en-US" sz="400" dirty="0" smtClean="0">
+              <a:gradFill>
+                <a:gsLst>
+                  <a:gs pos="0">
+                    <a:prstClr val="black"/>
+                  </a:gs>
+                  <a:gs pos="100000">
+                    <a:prstClr val="black"/>
+                  </a:gs>
+                </a:gsLst>
+                <a:lin ang="5400000" scaled="0"/>
+              </a:gradFill>
+              <a:latin typeface="Segoe UI" pitchFamily="34" charset="0"/>
+              <a:ea typeface="Segoe UI" pitchFamily="34" charset="0"/>
+              <a:cs typeface="Segoe UI" pitchFamily="34" charset="0"/>
+            </a:endParaRPr>
+          </a:p>
+        </p:txBody>
+      </p:sp>
+      <p:sp>
+        <p:nvSpPr>
+          <p:cNvPr id="6" name="Date Placeholder 5"/>
+          <p:cNvSpPr>
+            <a:spLocks noGrp="1"/>
+          </p:cNvSpPr>
+          <p:nvPr>
+            <p:ph type="dt" idx="12"/>
+          </p:nvPr>
+        </p:nvSpPr>
+        <p:spPr/>
+        <p:txBody>
+          <a:bodyPr/>
+          <a:lstStyle/>
+          <a:p>
+            <a:fld id="{0BB6559B-C68D-49B4-97AE-9BB74C417927}" type="datetime1">
+              <a:rPr lang="en-US" smtClean="0"/>
+              <a:t>9/5/2014</a:t>
+            </a:fld>
+            <a:endParaRPr lang="en-US"/>
+          </a:p>
+        </p:txBody>
+      </p:sp>
+      <p:sp>
+        <p:nvSpPr>
+          <p:cNvPr id="7" name="Slide Number Placeholder 6"/>
+          <p:cNvSpPr>
+            <a:spLocks noGrp="1"/>
+          </p:cNvSpPr>
+          <p:nvPr>
+            <p:ph type="sldNum" sz="quarter" idx="13"/>
+          </p:nvPr>
+        </p:nvSpPr>
+        <p:spPr/>
+        <p:txBody>
+          <a:bodyPr/>
+          <a:lstStyle/>
+          <a:p>
+            <a:fld id="{B4008EB6-D09E-4580-8CD6-DDB14511944F}" type="slidenum">
+              <a:rPr lang="en-US" smtClean="0"/>
+              <a:t>22</a:t>
+            </a:fld>
+            <a:endParaRPr lang="en-US" dirty="0"/>
+          </a:p>
+        </p:txBody>
+      </p:sp>
+    </p:spTree>
+    <p:extLst>
+      <p:ext uri="{BB962C8B-B14F-4D97-AF65-F5344CB8AC3E}">
+        <p14:creationId xmlns:p14="http://schemas.microsoft.com/office/powerpoint/2010/main" val="3695926200"/>
+      </p:ext>
+    </p:extLst>
+  </p:cSld>
+  <p:clrMapOvr>
+    <a:masterClrMapping/>
+  </p:clrMapOvr>
+</p:notes>
+</file>
+
 <file path=ppt/notesSlides/notesSlide2.xml><?xml version="1.0" encoding="utf-8"?>
 <p:notes xmlns:a="http://schemas.openxmlformats.org/drawingml/2006/main" xmlns:r="http://schemas.openxmlformats.org/officeDocument/2006/relationships" xmlns:p="http://schemas.openxmlformats.org/presentationml/2006/main">
   <p:cSld>
@@ -1365,19 +1974,25 @@
           <a:p>
             <a:r>
               <a:rPr lang="en-US" dirty="0" smtClean="0"/>
-              <a:t>The discovery service discovers the “</a:t>
-            </a:r>
-            <a:r>
-              <a:rPr lang="en-US" dirty="0" err="1" smtClean="0"/>
-              <a:t>MyFiles</a:t>
-            </a:r>
-            <a:r>
-              <a:rPr lang="en-US" dirty="0" smtClean="0"/>
-              <a:t>” capability,</a:t>
+              <a:t>The purpose of this</a:t>
             </a:r>
             <a:r>
               <a:rPr lang="en-US" baseline="0" dirty="0" smtClean="0"/>
-              <a:t> which will always try to access the OneDrive for Business library</a:t>
+              <a:t> module is to show how you can access the complete SharePoint REST API</a:t>
+            </a:r>
+          </a:p>
+          <a:p>
+            <a:r>
+              <a:rPr lang="en-US" baseline="0" dirty="0" smtClean="0"/>
+              <a:t>The </a:t>
+            </a:r>
+            <a:r>
+              <a:rPr lang="en-US" baseline="0" dirty="0" err="1" smtClean="0"/>
+              <a:t>SharePointClient</a:t>
+            </a:r>
+            <a:r>
+              <a:rPr lang="en-US" baseline="0" dirty="0" smtClean="0"/>
+              <a:t> only has access to Files, but we can get an Access Token via the Discovery Service for use with REST calls.</a:t>
             </a:r>
             <a:endParaRPr lang="en-US" dirty="0"/>
           </a:p>
@@ -1398,7 +2013,7 @@
           <a:bodyPr/>
           <a:lstStyle/>
           <a:p>
-            <a:fld id="{23FDFFE0-9E47-4B8C-842E-FA426FE218C8}" type="datetime1">
+            <a:fld id="{BD31152A-8F7C-408D-9061-F291D3F7D7A4}" type="datetime1">
               <a:rPr lang="en-US" smtClean="0"/>
               <a:t>9/5/2014</a:t>
             </a:fld>
@@ -1423,7 +2038,7 @@
           <a:p>
             <a:fld id="{B4008EB6-D09E-4580-8CD6-DDB14511944F}" type="slidenum">
               <a:rPr lang="en-US" smtClean="0"/>
-              <a:t>9</a:t>
+              <a:t>6</a:t>
             </a:fld>
             <a:endParaRPr lang="en-US" dirty="0"/>
           </a:p>
@@ -1531,7 +2146,7 @@
     </p:spTree>
     <p:extLst>
       <p:ext uri="{BB962C8B-B14F-4D97-AF65-F5344CB8AC3E}">
-        <p14:creationId xmlns:p14="http://schemas.microsoft.com/office/powerpoint/2010/main" val="2819406764"/>
+        <p14:creationId xmlns:p14="http://schemas.microsoft.com/office/powerpoint/2010/main" val="2224989853"/>
       </p:ext>
     </p:extLst>
   </p:cSld>
@@ -1585,42 +2200,10 @@
           <a:bodyPr/>
           <a:lstStyle/>
           <a:p>
-            <a:pPr marL="0" marR="0" indent="0" algn="l" defTabSz="914363" rtl="0" eaLnBrk="1" fontAlgn="auto" latinLnBrk="0" hangingPunct="1">
-              <a:lnSpc>
-                <a:spcPct val="90000"/>
-              </a:lnSpc>
-              <a:spcBef>
-                <a:spcPts val="0"/>
-              </a:spcBef>
-              <a:spcAft>
-                <a:spcPts val="333"/>
-              </a:spcAft>
-              <a:buClrTx/>
-              <a:buSzTx/>
-              <a:buFontTx/>
-              <a:buNone/>
-              <a:tabLst/>
-              <a:defRPr/>
-            </a:pPr>
             <a:r>
               <a:rPr lang="en-US" dirty="0" smtClean="0"/>
-              <a:t>No support for $skip</a:t>
-            </a:r>
-            <a:r>
-              <a:rPr lang="en-US" baseline="0" dirty="0" smtClean="0"/>
-              <a:t> and $</a:t>
-            </a:r>
-            <a:r>
-              <a:rPr lang="en-US" baseline="0" dirty="0" err="1" smtClean="0"/>
-              <a:t>orderby</a:t>
-            </a:r>
-            <a:r>
-              <a:rPr lang="en-US" baseline="0" dirty="0" smtClean="0"/>
-              <a:t> so paging is post-query</a:t>
-            </a:r>
-            <a:endParaRPr lang="en-US" dirty="0" smtClean="0"/>
-          </a:p>
-          <a:p>
+              <a:t>Just to show the various permissions that are available</a:t>
+            </a:r>
             <a:endParaRPr lang="en-US" dirty="0"/>
           </a:p>
         </p:txBody>
@@ -1640,7 +2223,7 @@
           <a:bodyPr/>
           <a:lstStyle/>
           <a:p>
-            <a:fld id="{8DACB9AA-B03F-4672-BD3F-07034206D49E}" type="datetime1">
+            <a:fld id="{6559E235-6933-4AAE-8A0A-F0BAC5F37D5D}" type="datetime1">
               <a:rPr lang="en-US" smtClean="0"/>
               <a:t>9/5/2014</a:t>
             </a:fld>
@@ -1665,7 +2248,7 @@
           <a:p>
             <a:fld id="{B4008EB6-D09E-4580-8CD6-DDB14511944F}" type="slidenum">
               <a:rPr lang="en-US" smtClean="0"/>
-              <a:t>10</a:t>
+              <a:t>7</a:t>
             </a:fld>
             <a:endParaRPr lang="en-US" dirty="0"/>
           </a:p>
@@ -1773,7 +2356,7 @@
     </p:spTree>
     <p:extLst>
       <p:ext uri="{BB962C8B-B14F-4D97-AF65-F5344CB8AC3E}">
-        <p14:creationId xmlns:p14="http://schemas.microsoft.com/office/powerpoint/2010/main" val="378602929"/>
+        <p14:creationId xmlns:p14="http://schemas.microsoft.com/office/powerpoint/2010/main" val="363175861"/>
       </p:ext>
     </p:extLst>
   </p:cSld>
@@ -1829,19 +2412,31 @@
           <a:p>
             <a:r>
               <a:rPr lang="en-US" dirty="0" smtClean="0"/>
-              <a:t>No support for $skip</a:t>
+              <a:t>The discovery service discovers the </a:t>
+            </a:r>
+            <a:r>
+              <a:rPr lang="en-US" dirty="0" smtClean="0"/>
+              <a:t>SharePoint</a:t>
             </a:r>
             <a:r>
               <a:rPr lang="en-US" baseline="0" dirty="0" smtClean="0"/>
-              <a:t> and $</a:t>
-            </a:r>
-            <a:r>
-              <a:rPr lang="en-US" baseline="0" dirty="0" err="1" smtClean="0"/>
-              <a:t>orderby</a:t>
+              <a:t> resource</a:t>
+            </a:r>
+            <a:r>
+              <a:rPr lang="en-US" dirty="0" smtClean="0"/>
+              <a:t>,</a:t>
             </a:r>
             <a:r>
               <a:rPr lang="en-US" baseline="0" dirty="0" smtClean="0"/>
-              <a:t> so paging is post-query</a:t>
+              <a:t> </a:t>
+            </a:r>
+            <a:r>
+              <a:rPr lang="en-US" baseline="0" dirty="0" smtClean="0"/>
+              <a:t>which </a:t>
+            </a:r>
+            <a:r>
+              <a:rPr lang="en-US" baseline="0" dirty="0" smtClean="0"/>
+              <a:t>we can use to access document libraries</a:t>
             </a:r>
             <a:endParaRPr lang="en-US" dirty="0"/>
           </a:p>
@@ -1862,7 +2457,7 @@
           <a:bodyPr/>
           <a:lstStyle/>
           <a:p>
-            <a:fld id="{9F6C2A45-62A9-453C-B1A0-E9BD4232256A}" type="datetime1">
+            <a:fld id="{23FDFFE0-9E47-4B8C-842E-FA426FE218C8}" type="datetime1">
               <a:rPr lang="en-US" smtClean="0"/>
               <a:t>9/5/2014</a:t>
             </a:fld>
@@ -1887,7 +2482,7 @@
           <a:p>
             <a:fld id="{B4008EB6-D09E-4580-8CD6-DDB14511944F}" type="slidenum">
               <a:rPr lang="en-US" smtClean="0"/>
-              <a:t>16</a:t>
+              <a:t>9</a:t>
             </a:fld>
             <a:endParaRPr lang="en-US" dirty="0"/>
           </a:p>
@@ -1995,7 +2590,7 @@
     </p:spTree>
     <p:extLst>
       <p:ext uri="{BB962C8B-B14F-4D97-AF65-F5344CB8AC3E}">
-        <p14:creationId xmlns:p14="http://schemas.microsoft.com/office/powerpoint/2010/main" val="185922338"/>
+        <p14:creationId xmlns:p14="http://schemas.microsoft.com/office/powerpoint/2010/main" val="2819406764"/>
       </p:ext>
     </p:extLst>
   </p:cSld>
@@ -2049,6 +2644,42 @@
           <a:bodyPr/>
           <a:lstStyle/>
           <a:p>
+            <a:pPr marL="0" marR="0" indent="0" algn="l" defTabSz="914363" rtl="0" eaLnBrk="1" fontAlgn="auto" latinLnBrk="0" hangingPunct="1">
+              <a:lnSpc>
+                <a:spcPct val="90000"/>
+              </a:lnSpc>
+              <a:spcBef>
+                <a:spcPts val="0"/>
+              </a:spcBef>
+              <a:spcAft>
+                <a:spcPts val="333"/>
+              </a:spcAft>
+              <a:buClrTx/>
+              <a:buSzTx/>
+              <a:buFontTx/>
+              <a:buNone/>
+              <a:tabLst/>
+              <a:defRPr/>
+            </a:pPr>
+            <a:r>
+              <a:rPr lang="en-US" dirty="0" smtClean="0"/>
+              <a:t>No support for $skip</a:t>
+            </a:r>
+            <a:r>
+              <a:rPr lang="en-US" baseline="0" dirty="0" smtClean="0"/>
+              <a:t> and $</a:t>
+            </a:r>
+            <a:r>
+              <a:rPr lang="en-US" baseline="0" dirty="0" err="1" smtClean="0"/>
+              <a:t>orderby</a:t>
+            </a:r>
+            <a:r>
+              <a:rPr lang="en-US" baseline="0" dirty="0" smtClean="0"/>
+              <a:t> so paging is post-query</a:t>
+            </a:r>
+            <a:endParaRPr lang="en-US" dirty="0" smtClean="0"/>
+          </a:p>
+          <a:p>
             <a:endParaRPr lang="en-US" dirty="0"/>
           </a:p>
         </p:txBody>
@@ -2068,7 +2699,7 @@
           <a:bodyPr/>
           <a:lstStyle/>
           <a:p>
-            <a:fld id="{FA286CF7-BB83-4FDF-AC68-569118A3F32E}" type="datetime1">
+            <a:fld id="{8DACB9AA-B03F-4672-BD3F-07034206D49E}" type="datetime1">
               <a:rPr lang="en-US" smtClean="0"/>
               <a:t>9/5/2014</a:t>
             </a:fld>
@@ -2093,7 +2724,7 @@
           <a:p>
             <a:fld id="{B4008EB6-D09E-4580-8CD6-DDB14511944F}" type="slidenum">
               <a:rPr lang="en-US" smtClean="0"/>
-              <a:t>19</a:t>
+              <a:t>10</a:t>
             </a:fld>
             <a:endParaRPr lang="en-US" dirty="0"/>
           </a:p>
@@ -2201,7 +2832,7 @@
     </p:spTree>
     <p:extLst>
       <p:ext uri="{BB962C8B-B14F-4D97-AF65-F5344CB8AC3E}">
-        <p14:creationId xmlns:p14="http://schemas.microsoft.com/office/powerpoint/2010/main" val="2134930651"/>
+        <p14:creationId xmlns:p14="http://schemas.microsoft.com/office/powerpoint/2010/main" val="378602929"/>
       </p:ext>
     </p:extLst>
   </p:cSld>
@@ -2255,18 +2886,30 @@
           <a:bodyPr/>
           <a:lstStyle/>
           <a:p>
+            <a:r>
+              <a:rPr lang="en-US" dirty="0" smtClean="0"/>
+              <a:t>See how we return an access</a:t>
+            </a:r>
+            <a:r>
+              <a:rPr lang="en-US" baseline="0" dirty="0" smtClean="0"/>
+              <a:t> token instead of the </a:t>
+            </a:r>
+            <a:r>
+              <a:rPr lang="en-US" baseline="0" dirty="0" err="1" smtClean="0"/>
+              <a:t>SharePointClient</a:t>
+            </a:r>
             <a:endParaRPr lang="en-US" dirty="0"/>
           </a:p>
         </p:txBody>
       </p:sp>
       <p:sp>
         <p:nvSpPr>
-          <p:cNvPr id="4" name="Footer Placeholder 3"/>
-          <p:cNvSpPr>
-            <a:spLocks noGrp="1"/>
-          </p:cNvSpPr>
-          <p:nvPr>
-            <p:ph type="ftr" sz="quarter" idx="10"/>
+          <p:cNvPr id="4" name="Date Placeholder 3"/>
+          <p:cNvSpPr>
+            <a:spLocks noGrp="1"/>
+          </p:cNvSpPr>
+          <p:nvPr>
+            <p:ph type="dt" idx="10"/>
           </p:nvPr>
         </p:nvSpPr>
         <p:spPr/>
@@ -2274,16 +2917,85 @@
           <a:bodyPr/>
           <a:lstStyle/>
           <a:p>
-            <a:pPr defTabSz="914099" eaLnBrk="0" hangingPunct="0"/>
-            <a:r>
-              <a:rPr lang="en-US" sz="400" smtClean="0">
+            <a:fld id="{A4FF4DFC-FE76-4FFF-B8D1-06C1BF5BA1A6}" type="datetime1">
+              <a:rPr lang="en-US" smtClean="0"/>
+              <a:t>9/5/2014</a:t>
+            </a:fld>
+            <a:endParaRPr lang="en-US"/>
+          </a:p>
+        </p:txBody>
+      </p:sp>
+      <p:sp>
+        <p:nvSpPr>
+          <p:cNvPr id="5" name="Slide Number Placeholder 4"/>
+          <p:cNvSpPr>
+            <a:spLocks noGrp="1"/>
+          </p:cNvSpPr>
+          <p:nvPr>
+            <p:ph type="sldNum" sz="quarter" idx="11"/>
+          </p:nvPr>
+        </p:nvSpPr>
+        <p:spPr/>
+        <p:txBody>
+          <a:bodyPr/>
+          <a:lstStyle/>
+          <a:p>
+            <a:fld id="{B4008EB6-D09E-4580-8CD6-DDB14511944F}" type="slidenum">
+              <a:rPr lang="en-US" smtClean="0"/>
+              <a:t>15</a:t>
+            </a:fld>
+            <a:endParaRPr lang="en-US" dirty="0"/>
+          </a:p>
+        </p:txBody>
+      </p:sp>
+      <p:sp>
+        <p:nvSpPr>
+          <p:cNvPr id="6" name="Header Placeholder 5"/>
+          <p:cNvSpPr>
+            <a:spLocks noGrp="1"/>
+          </p:cNvSpPr>
+          <p:nvPr>
+            <p:ph type="hdr" sz="quarter" idx="12"/>
+          </p:nvPr>
+        </p:nvSpPr>
+        <p:spPr/>
+        <p:txBody>
+          <a:bodyPr/>
+          <a:lstStyle/>
+          <a:p>
+            <a:r>
+              <a:rPr lang="en-US" smtClean="0"/>
+              <a:t>Microsoft Office</a:t>
+            </a:r>
+            <a:endParaRPr lang="en-US" dirty="0"/>
+          </a:p>
+        </p:txBody>
+      </p:sp>
+      <p:sp>
+        <p:nvSpPr>
+          <p:cNvPr id="7" name="Footer Placeholder 6"/>
+          <p:cNvSpPr>
+            <a:spLocks noGrp="1"/>
+          </p:cNvSpPr>
+          <p:nvPr>
+            <p:ph type="ftr" sz="quarter" idx="13"/>
+          </p:nvPr>
+        </p:nvSpPr>
+        <p:spPr/>
+        <p:txBody>
+          <a:bodyPr/>
+          <a:lstStyle/>
+          <a:p>
+            <a:pPr marL="231775" defTabSz="914099" eaLnBrk="0" hangingPunct="0"/>
+            <a:r>
+              <a:rPr lang="en-US" sz="500" smtClean="0">
                 <a:gradFill>
                   <a:gsLst>
                     <a:gs pos="0">
-                      <a:prstClr val="black"/>
+                      <a:schemeClr val="tx1"/>
                     </a:gs>
                     <a:gs pos="100000">
-                      <a:prstClr val="black"/>
+                      <a:schemeClr val="tx1"/>
                     </a:gs>
                   </a:gsLst>
                   <a:lin ang="5400000" scaled="0"/>
@@ -2292,16 +3004,38 @@
                 <a:ea typeface="Segoe UI" pitchFamily="34" charset="0"/>
                 <a:cs typeface="Segoe UI" pitchFamily="34" charset="0"/>
               </a:rPr>
-              <a:t>© 2014 Microsoft Corporation. All rights reserved. Microsoft, Windows, and other product names are or may be registered trademarks and/or trademarks in the U.S. and/or other countries. The information herein is for informational purposes only and represents the current view of Microsoft Corporation as of the date of this presentation.  Because Microsoft must respond to changing market conditions, it should not be interpreted to be a commitment on the part of Microsoft, and Microsoft cannot guarantee the accuracy of any information provided after the date of this presentation.  MICROSOFT MAKES NO WARRANTIES, EXPRESS, IMPLIED OR STATUTORY, AS TO THE INFORMATION IN THIS PRESENTATION.</a:t>
-            </a:r>
-            <a:endParaRPr lang="en-US" sz="400" dirty="0" smtClean="0">
+              <a:t>© 2012 Microsoft Corporation. All rights reserved. Microsoft, Windows, and other product names are or may be registered trademarks and/or trademarks in the U.S. and/or other countries.</a:t>
+            </a:r>
+          </a:p>
+          <a:p>
+            <a:pPr marL="231775" defTabSz="914099" eaLnBrk="0" hangingPunct="0"/>
+            <a:r>
+              <a:rPr lang="en-US" sz="500" smtClean="0">
+                <a:gradFill>
+                  <a:gsLst>
+                    <a:gs pos="0">
+                      <a:schemeClr val="tx1"/>
+                    </a:gs>
+                    <a:gs pos="100000">
+                      <a:schemeClr val="tx1"/>
+                    </a:gs>
+                  </a:gsLst>
+                  <a:lin ang="5400000" scaled="0"/>
+                </a:gradFill>
+                <a:latin typeface="Segoe UI" pitchFamily="34" charset="0"/>
+                <a:ea typeface="Segoe UI" pitchFamily="34" charset="0"/>
+                <a:cs typeface="Segoe UI" pitchFamily="34" charset="0"/>
+              </a:rPr>
+              <a:t>The information herein is for informational purposes only and represents the current view of Microsoft Corporation as of the date of this presentation.  Because Microsoft must respond to changing market conditions, it should not be interpreted to be a commitment on the part of Microsoft, and Microsoft cannot guarantee the accuracy of any information provided after the date of this presentation.  MICROSOFT MAKES NO WARRANTIES, EXPRESS, IMPLIED OR STATUTORY, AS TO THE INFORMATION IN THIS PRESENTATION.</a:t>
+            </a:r>
+            <a:endParaRPr lang="en-US" sz="500" dirty="0">
               <a:gradFill>
                 <a:gsLst>
                   <a:gs pos="0">
-                    <a:prstClr val="black"/>
+                    <a:schemeClr val="tx1"/>
                   </a:gs>
                   <a:gs pos="100000">
-                    <a:prstClr val="black"/>
+                    <a:schemeClr val="tx1"/>
                   </a:gs>
                 </a:gsLst>
                 <a:lin ang="5400000" scaled="0"/>
@@ -2313,80 +3047,10 @@
           </a:p>
         </p:txBody>
       </p:sp>
-      <p:sp>
-        <p:nvSpPr>
-          <p:cNvPr id="5" name="Date Placeholder 4"/>
-          <p:cNvSpPr>
-            <a:spLocks noGrp="1"/>
-          </p:cNvSpPr>
-          <p:nvPr>
-            <p:ph type="dt" idx="11"/>
-          </p:nvPr>
-        </p:nvSpPr>
-        <p:spPr/>
-        <p:txBody>
-          <a:bodyPr/>
-          <a:lstStyle/>
-          <a:p>
-            <a:fld id="{B079C3B8-7366-4A44-A34B-3977080C19E7}" type="datetime1">
-              <a:rPr lang="en-US" smtClean="0"/>
-              <a:t>9/5/2014</a:t>
-            </a:fld>
-            <a:endParaRPr lang="en-US" dirty="0"/>
-          </a:p>
-        </p:txBody>
-      </p:sp>
-      <p:sp>
-        <p:nvSpPr>
-          <p:cNvPr id="6" name="Slide Number Placeholder 5"/>
-          <p:cNvSpPr>
-            <a:spLocks noGrp="1"/>
-          </p:cNvSpPr>
-          <p:nvPr>
-            <p:ph type="sldNum" sz="quarter" idx="12"/>
-          </p:nvPr>
-        </p:nvSpPr>
-        <p:spPr/>
-        <p:txBody>
-          <a:bodyPr/>
-          <a:lstStyle/>
-          <a:p>
-            <a:fld id="{B4008EB6-D09E-4580-8CD6-DDB14511944F}" type="slidenum">
-              <a:rPr lang="en-US" smtClean="0"/>
-              <a:pPr/>
-              <a:t>21</a:t>
-            </a:fld>
-            <a:endParaRPr lang="en-US" dirty="0"/>
-          </a:p>
-        </p:txBody>
-      </p:sp>
-      <p:sp>
-        <p:nvSpPr>
-          <p:cNvPr id="7" name="Header Placeholder 6"/>
-          <p:cNvSpPr>
-            <a:spLocks noGrp="1"/>
-          </p:cNvSpPr>
-          <p:nvPr>
-            <p:ph type="hdr" sz="quarter" idx="13"/>
-          </p:nvPr>
-        </p:nvSpPr>
-        <p:spPr/>
-        <p:txBody>
-          <a:bodyPr/>
-          <a:lstStyle/>
-          <a:p>
-            <a:r>
-              <a:rPr lang="en-US" smtClean="0"/>
-              <a:t>Build 2014</a:t>
-            </a:r>
-            <a:endParaRPr lang="en-US" dirty="0"/>
-          </a:p>
-        </p:txBody>
-      </p:sp>
     </p:spTree>
     <p:extLst>
       <p:ext uri="{BB962C8B-B14F-4D97-AF65-F5344CB8AC3E}">
-        <p14:creationId xmlns:p14="http://schemas.microsoft.com/office/powerpoint/2010/main" val="2880687264"/>
+        <p14:creationId xmlns:p14="http://schemas.microsoft.com/office/powerpoint/2010/main" val="3067391605"/>
       </p:ext>
     </p:extLst>
   </p:cSld>
@@ -2440,70 +3104,120 @@
           <a:bodyPr/>
           <a:lstStyle/>
           <a:p>
-            <a:endParaRPr lang="en-US"/>
-          </a:p>
-        </p:txBody>
-      </p:sp>
-      <p:sp>
-        <p:nvSpPr>
-          <p:cNvPr id="4" name="Header Placeholder 3"/>
-          <p:cNvSpPr>
-            <a:spLocks noGrp="1"/>
-          </p:cNvSpPr>
-          <p:nvPr>
-            <p:ph type="hdr" sz="quarter" idx="10"/>
-          </p:nvPr>
-        </p:nvSpPr>
-        <p:spPr>
-          <a:xfrm>
-            <a:off x="0" y="0"/>
-            <a:ext cx="2971800" cy="457200"/>
-          </a:xfrm>
-          <a:prstGeom prst="rect">
-            <a:avLst/>
-          </a:prstGeom>
-        </p:spPr>
+            <a:r>
+              <a:rPr lang="en-US" dirty="0" smtClean="0"/>
+              <a:t>No support for $skip</a:t>
+            </a:r>
+            <a:r>
+              <a:rPr lang="en-US" baseline="0" dirty="0" smtClean="0"/>
+              <a:t> and $</a:t>
+            </a:r>
+            <a:r>
+              <a:rPr lang="en-US" baseline="0" dirty="0" err="1" smtClean="0"/>
+              <a:t>orderby</a:t>
+            </a:r>
+            <a:r>
+              <a:rPr lang="en-US" baseline="0" dirty="0" smtClean="0"/>
+              <a:t> so paging is post-query</a:t>
+            </a:r>
+            <a:endParaRPr lang="en-US" dirty="0"/>
+          </a:p>
+        </p:txBody>
+      </p:sp>
+      <p:sp>
+        <p:nvSpPr>
+          <p:cNvPr id="4" name="Date Placeholder 3"/>
+          <p:cNvSpPr>
+            <a:spLocks noGrp="1"/>
+          </p:cNvSpPr>
+          <p:nvPr>
+            <p:ph type="dt" idx="10"/>
+          </p:nvPr>
+        </p:nvSpPr>
+        <p:spPr/>
         <p:txBody>
           <a:bodyPr/>
           <a:lstStyle/>
           <a:p>
-            <a:endParaRPr lang="en-US" dirty="0"/>
-          </a:p>
-        </p:txBody>
-      </p:sp>
-      <p:sp>
-        <p:nvSpPr>
-          <p:cNvPr id="5" name="Footer Placeholder 4"/>
-          <p:cNvSpPr>
-            <a:spLocks noGrp="1"/>
-          </p:cNvSpPr>
-          <p:nvPr>
-            <p:ph type="ftr" sz="quarter" idx="11"/>
-          </p:nvPr>
-        </p:nvSpPr>
-        <p:spPr>
-          <a:xfrm>
-            <a:off x="0" y="8686800"/>
-            <a:ext cx="5920740" cy="355964"/>
-          </a:xfrm>
-          <a:prstGeom prst="rect">
-            <a:avLst/>
-          </a:prstGeom>
-        </p:spPr>
+            <a:fld id="{9F6C2A45-62A9-453C-B1A0-E9BD4232256A}" type="datetime1">
+              <a:rPr lang="en-US" smtClean="0"/>
+              <a:t>9/5/2014</a:t>
+            </a:fld>
+            <a:endParaRPr lang="en-US"/>
+          </a:p>
+        </p:txBody>
+      </p:sp>
+      <p:sp>
+        <p:nvSpPr>
+          <p:cNvPr id="5" name="Slide Number Placeholder 4"/>
+          <p:cNvSpPr>
+            <a:spLocks noGrp="1"/>
+          </p:cNvSpPr>
+          <p:nvPr>
+            <p:ph type="sldNum" sz="quarter" idx="11"/>
+          </p:nvPr>
+        </p:nvSpPr>
+        <p:spPr/>
         <p:txBody>
           <a:bodyPr/>
           <a:lstStyle/>
           <a:p>
-            <a:pPr defTabSz="914099" eaLnBrk="0" hangingPunct="0"/>
-            <a:r>
-              <a:rPr lang="en-US" sz="400" smtClean="0">
+            <a:fld id="{B4008EB6-D09E-4580-8CD6-DDB14511944F}" type="slidenum">
+              <a:rPr lang="en-US" smtClean="0"/>
+              <a:t>16</a:t>
+            </a:fld>
+            <a:endParaRPr lang="en-US" dirty="0"/>
+          </a:p>
+        </p:txBody>
+      </p:sp>
+      <p:sp>
+        <p:nvSpPr>
+          <p:cNvPr id="6" name="Header Placeholder 5"/>
+          <p:cNvSpPr>
+            <a:spLocks noGrp="1"/>
+          </p:cNvSpPr>
+          <p:nvPr>
+            <p:ph type="hdr" sz="quarter" idx="12"/>
+          </p:nvPr>
+        </p:nvSpPr>
+        <p:spPr/>
+        <p:txBody>
+          <a:bodyPr/>
+          <a:lstStyle/>
+          <a:p>
+            <a:r>
+              <a:rPr lang="en-US" smtClean="0"/>
+              <a:t>Microsoft Office</a:t>
+            </a:r>
+            <a:endParaRPr lang="en-US" dirty="0"/>
+          </a:p>
+        </p:txBody>
+      </p:sp>
+      <p:sp>
+        <p:nvSpPr>
+          <p:cNvPr id="7" name="Footer Placeholder 6"/>
+          <p:cNvSpPr>
+            <a:spLocks noGrp="1"/>
+          </p:cNvSpPr>
+          <p:nvPr>
+            <p:ph type="ftr" sz="quarter" idx="13"/>
+          </p:nvPr>
+        </p:nvSpPr>
+        <p:spPr/>
+        <p:txBody>
+          <a:bodyPr/>
+          <a:lstStyle/>
+          <a:p>
+            <a:pPr marL="231775" defTabSz="914099" eaLnBrk="0" hangingPunct="0"/>
+            <a:r>
+              <a:rPr lang="en-US" sz="500" smtClean="0">
                 <a:gradFill>
                   <a:gsLst>
                     <a:gs pos="0">
-                      <a:prstClr val="black"/>
+                      <a:schemeClr val="tx1"/>
                     </a:gs>
                     <a:gs pos="100000">
-                      <a:prstClr val="black"/>
+                      <a:schemeClr val="tx1"/>
                     </a:gs>
                   </a:gsLst>
                   <a:lin ang="5400000" scaled="0"/>
@@ -2516,16 +3230,16 @@
             </a:r>
           </a:p>
           <a:p>
-            <a:pPr defTabSz="914099" eaLnBrk="0" hangingPunct="0"/>
-            <a:r>
-              <a:rPr lang="en-US" sz="400" smtClean="0">
+            <a:pPr marL="231775" defTabSz="914099" eaLnBrk="0" hangingPunct="0"/>
+            <a:r>
+              <a:rPr lang="en-US" sz="500" smtClean="0">
                 <a:gradFill>
                   <a:gsLst>
                     <a:gs pos="0">
-                      <a:prstClr val="black"/>
+                      <a:schemeClr val="tx1"/>
                     </a:gs>
                     <a:gs pos="100000">
-                      <a:prstClr val="black"/>
+                      <a:schemeClr val="tx1"/>
                     </a:gs>
                   </a:gsLst>
                   <a:lin ang="5400000" scaled="0"/>
@@ -2536,14 +3250,14 @@
               </a:rPr>
               <a:t>The information herein is for informational purposes only and represents the current view of Microsoft Corporation as of the date of this presentation.  Because Microsoft must respond to changing market conditions, it should not be interpreted to be a commitment on the part of Microsoft, and Microsoft cannot guarantee the accuracy of any information provided after the date of this presentation.  MICROSOFT MAKES NO WARRANTIES, EXPRESS, IMPLIED OR STATUTORY, AS TO THE INFORMATION IN THIS PRESENTATION.</a:t>
             </a:r>
-            <a:endParaRPr lang="en-US" sz="400" dirty="0" smtClean="0">
+            <a:endParaRPr lang="en-US" sz="500" dirty="0">
               <a:gradFill>
                 <a:gsLst>
                   <a:gs pos="0">
-                    <a:prstClr val="black"/>
+                    <a:schemeClr val="tx1"/>
                   </a:gs>
                   <a:gs pos="100000">
-                    <a:prstClr val="black"/>
+                    <a:schemeClr val="tx1"/>
                   </a:gs>
                 </a:gsLst>
                 <a:lin ang="5400000" scaled="0"/>
@@ -2555,14 +3269,56 @@
           </a:p>
         </p:txBody>
       </p:sp>
-      <p:sp>
-        <p:nvSpPr>
-          <p:cNvPr id="6" name="Date Placeholder 5"/>
-          <p:cNvSpPr>
-            <a:spLocks noGrp="1"/>
-          </p:cNvSpPr>
-          <p:nvPr>
-            <p:ph type="dt" idx="12"/>
+    </p:spTree>
+    <p:extLst>
+      <p:ext uri="{BB962C8B-B14F-4D97-AF65-F5344CB8AC3E}">
+        <p14:creationId xmlns:p14="http://schemas.microsoft.com/office/powerpoint/2010/main" val="185922338"/>
+      </p:ext>
+    </p:extLst>
+  </p:cSld>
+  <p:clrMapOvr>
+    <a:masterClrMapping/>
+  </p:clrMapOvr>
+</p:notes>
+</file>
+
+<file path=ppt/notesSlides/notesSlide9.xml><?xml version="1.0" encoding="utf-8"?>
+<p:notes xmlns:a="http://schemas.openxmlformats.org/drawingml/2006/main" xmlns:r="http://schemas.openxmlformats.org/officeDocument/2006/relationships" xmlns:p="http://schemas.openxmlformats.org/presentationml/2006/main">
+  <p:cSld>
+    <p:spTree>
+      <p:nvGrpSpPr>
+        <p:cNvPr id="1" name=""/>
+        <p:cNvGrpSpPr/>
+        <p:nvPr/>
+      </p:nvGrpSpPr>
+      <p:grpSpPr>
+        <a:xfrm>
+          <a:off x="0" y="0"/>
+          <a:ext cx="0" cy="0"/>
+          <a:chOff x="0" y="0"/>
+          <a:chExt cx="0" cy="0"/>
+        </a:xfrm>
+      </p:grpSpPr>
+      <p:sp>
+        <p:nvSpPr>
+          <p:cNvPr id="2" name="Slide Image Placeholder 1"/>
+          <p:cNvSpPr>
+            <a:spLocks noGrp="1" noRot="1" noChangeAspect="1"/>
+          </p:cNvSpPr>
+          <p:nvPr>
+            <p:ph type="sldImg"/>
+          </p:nvPr>
+        </p:nvSpPr>
+        <p:spPr/>
+      </p:sp>
+      <p:sp>
+        <p:nvSpPr>
+          <p:cNvPr id="3" name="Notes Placeholder 2"/>
+          <p:cNvSpPr>
+            <a:spLocks noGrp="1"/>
+          </p:cNvSpPr>
+          <p:nvPr>
+            <p:ph type="body" idx="1"/>
           </p:nvPr>
         </p:nvSpPr>
         <p:spPr/>
@@ -2570,7 +3326,44 @@
           <a:bodyPr/>
           <a:lstStyle/>
           <a:p>
-            <a:fld id="{0BB6559B-C68D-49B4-97AE-9BB74C417927}" type="datetime1">
+            <a:r>
+              <a:rPr lang="en-US" dirty="0" smtClean="0"/>
+              <a:t>Notice how the </a:t>
+            </a:r>
+            <a:r>
+              <a:rPr lang="en-US" dirty="0" err="1" smtClean="0"/>
+              <a:t>FormDigest</a:t>
+            </a:r>
+            <a:r>
+              <a:rPr lang="en-US" baseline="0" dirty="0" smtClean="0"/>
+              <a:t> isn’t passed</a:t>
+            </a:r>
+          </a:p>
+          <a:p>
+            <a:r>
+              <a:rPr lang="en-US" baseline="0" dirty="0" smtClean="0"/>
+              <a:t>We get all the permissions we need from Azure Active Directory</a:t>
+            </a:r>
+            <a:endParaRPr lang="en-US" dirty="0"/>
+          </a:p>
+        </p:txBody>
+      </p:sp>
+      <p:sp>
+        <p:nvSpPr>
+          <p:cNvPr id="4" name="Date Placeholder 3"/>
+          <p:cNvSpPr>
+            <a:spLocks noGrp="1"/>
+          </p:cNvSpPr>
+          <p:nvPr>
+            <p:ph type="dt" idx="10"/>
+          </p:nvPr>
+        </p:nvSpPr>
+        <p:spPr/>
+        <p:txBody>
+          <a:bodyPr/>
+          <a:lstStyle/>
+          <a:p>
+            <a:fld id="{5F4BE20B-7B75-4971-AE6D-9106933A5A3B}" type="datetime1">
               <a:rPr lang="en-US" smtClean="0"/>
               <a:t>9/5/2014</a:t>
             </a:fld>
@@ -2580,12 +3373,12 @@
       </p:sp>
       <p:sp>
         <p:nvSpPr>
-          <p:cNvPr id="7" name="Slide Number Placeholder 6"/>
-          <p:cNvSpPr>
-            <a:spLocks noGrp="1"/>
-          </p:cNvSpPr>
-          <p:nvPr>
-            <p:ph type="sldNum" sz="quarter" idx="13"/>
+          <p:cNvPr id="5" name="Slide Number Placeholder 4"/>
+          <p:cNvSpPr>
+            <a:spLocks noGrp="1"/>
+          </p:cNvSpPr>
+          <p:nvPr>
+            <p:ph type="sldNum" sz="quarter" idx="11"/>
           </p:nvPr>
         </p:nvSpPr>
         <p:spPr/>
@@ -2595,16 +3388,115 @@
           <a:p>
             <a:fld id="{B4008EB6-D09E-4580-8CD6-DDB14511944F}" type="slidenum">
               <a:rPr lang="en-US" smtClean="0"/>
-              <a:t>22</a:t>
+              <a:t>18</a:t>
             </a:fld>
             <a:endParaRPr lang="en-US" dirty="0"/>
+          </a:p>
+        </p:txBody>
+      </p:sp>
+      <p:sp>
+        <p:nvSpPr>
+          <p:cNvPr id="6" name="Header Placeholder 5"/>
+          <p:cNvSpPr>
+            <a:spLocks noGrp="1"/>
+          </p:cNvSpPr>
+          <p:nvPr>
+            <p:ph type="hdr" sz="quarter" idx="12"/>
+          </p:nvPr>
+        </p:nvSpPr>
+        <p:spPr/>
+        <p:txBody>
+          <a:bodyPr/>
+          <a:lstStyle/>
+          <a:p>
+            <a:r>
+              <a:rPr lang="en-US" smtClean="0"/>
+              <a:t>Microsoft Office</a:t>
+            </a:r>
+            <a:endParaRPr lang="en-US" dirty="0"/>
+          </a:p>
+        </p:txBody>
+      </p:sp>
+      <p:sp>
+        <p:nvSpPr>
+          <p:cNvPr id="7" name="Footer Placeholder 6"/>
+          <p:cNvSpPr>
+            <a:spLocks noGrp="1"/>
+          </p:cNvSpPr>
+          <p:nvPr>
+            <p:ph type="ftr" sz="quarter" idx="13"/>
+          </p:nvPr>
+        </p:nvSpPr>
+        <p:spPr/>
+        <p:txBody>
+          <a:bodyPr/>
+          <a:lstStyle/>
+          <a:p>
+            <a:pPr marL="231775" defTabSz="914099" eaLnBrk="0" hangingPunct="0"/>
+            <a:r>
+              <a:rPr lang="en-US" sz="500" smtClean="0">
+                <a:gradFill>
+                  <a:gsLst>
+                    <a:gs pos="0">
+                      <a:schemeClr val="tx1"/>
+                    </a:gs>
+                    <a:gs pos="100000">
+                      <a:schemeClr val="tx1"/>
+                    </a:gs>
+                  </a:gsLst>
+                  <a:lin ang="5400000" scaled="0"/>
+                </a:gradFill>
+                <a:latin typeface="Segoe UI" pitchFamily="34" charset="0"/>
+                <a:ea typeface="Segoe UI" pitchFamily="34" charset="0"/>
+                <a:cs typeface="Segoe UI" pitchFamily="34" charset="0"/>
+              </a:rPr>
+              <a:t>© 2012 Microsoft Corporation. All rights reserved. Microsoft, Windows, and other product names are or may be registered trademarks and/or trademarks in the U.S. and/or other countries.</a:t>
+            </a:r>
+          </a:p>
+          <a:p>
+            <a:pPr marL="231775" defTabSz="914099" eaLnBrk="0" hangingPunct="0"/>
+            <a:r>
+              <a:rPr lang="en-US" sz="500" smtClean="0">
+                <a:gradFill>
+                  <a:gsLst>
+                    <a:gs pos="0">
+                      <a:schemeClr val="tx1"/>
+                    </a:gs>
+                    <a:gs pos="100000">
+                      <a:schemeClr val="tx1"/>
+                    </a:gs>
+                  </a:gsLst>
+                  <a:lin ang="5400000" scaled="0"/>
+                </a:gradFill>
+                <a:latin typeface="Segoe UI" pitchFamily="34" charset="0"/>
+                <a:ea typeface="Segoe UI" pitchFamily="34" charset="0"/>
+                <a:cs typeface="Segoe UI" pitchFamily="34" charset="0"/>
+              </a:rPr>
+              <a:t>The information herein is for informational purposes only and represents the current view of Microsoft Corporation as of the date of this presentation.  Because Microsoft must respond to changing market conditions, it should not be interpreted to be a commitment on the part of Microsoft, and Microsoft cannot guarantee the accuracy of any information provided after the date of this presentation.  MICROSOFT MAKES NO WARRANTIES, EXPRESS, IMPLIED OR STATUTORY, AS TO THE INFORMATION IN THIS PRESENTATION.</a:t>
+            </a:r>
+            <a:endParaRPr lang="en-US" sz="500" dirty="0">
+              <a:gradFill>
+                <a:gsLst>
+                  <a:gs pos="0">
+                    <a:schemeClr val="tx1"/>
+                  </a:gs>
+                  <a:gs pos="100000">
+                    <a:schemeClr val="tx1"/>
+                  </a:gs>
+                </a:gsLst>
+                <a:lin ang="5400000" scaled="0"/>
+              </a:gradFill>
+              <a:latin typeface="Segoe UI" pitchFamily="34" charset="0"/>
+              <a:ea typeface="Segoe UI" pitchFamily="34" charset="0"/>
+              <a:cs typeface="Segoe UI" pitchFamily="34" charset="0"/>
+            </a:endParaRPr>
           </a:p>
         </p:txBody>
       </p:sp>
     </p:spTree>
     <p:extLst>
       <p:ext uri="{BB962C8B-B14F-4D97-AF65-F5344CB8AC3E}">
-        <p14:creationId xmlns:p14="http://schemas.microsoft.com/office/powerpoint/2010/main" val="3695926200"/>
+        <p14:creationId xmlns:p14="http://schemas.microsoft.com/office/powerpoint/2010/main" val="4066814401"/>
       </p:ext>
     </p:extLst>
   </p:cSld>
@@ -13319,11 +14211,7 @@
           <a:p>
             <a:r>
               <a:rPr lang="en-US" dirty="0" smtClean="0"/>
-              <a:t>List Operations </a:t>
-            </a:r>
-            <a:r>
-              <a:rPr lang="en-US" dirty="0" smtClean="0"/>
-              <a:t>with REST</a:t>
+              <a:t>List Operations with REST</a:t>
             </a:r>
             <a:endParaRPr lang="en-US" dirty="0"/>
           </a:p>
@@ -13473,7 +14361,7 @@
           <p:nvPr/>
         </p:nvPicPr>
         <p:blipFill>
-          <a:blip r:embed="rId2">
+          <a:blip r:embed="rId3">
             <a:extLst>
               <a:ext uri="{28A0092B-C50C-407E-A947-70E740481C1C}">
                 <a14:useLocalDpi xmlns:a14="http://schemas.microsoft.com/office/drawing/2010/main" val="0"/>
@@ -13572,11 +14460,7 @@
           <a:p>
             <a:r>
               <a:rPr lang="en-US" dirty="0" smtClean="0"/>
-              <a:t>Reading </a:t>
-            </a:r>
-            <a:r>
-              <a:rPr lang="en-US" dirty="0" smtClean="0"/>
-              <a:t>List Items</a:t>
+              <a:t>Reading List Items</a:t>
             </a:r>
             <a:endParaRPr lang="en-US" dirty="0"/>
           </a:p>
@@ -13693,7 +14577,6 @@
               <a:rPr lang="en-US" dirty="0" smtClean="0"/>
               <a:t>Create XML message with list item data</a:t>
             </a:r>
-            <a:endParaRPr lang="en-US" dirty="0" smtClean="0"/>
           </a:p>
           <a:p>
             <a:r>
@@ -13911,7 +14794,7 @@
           <p:nvPr/>
         </p:nvPicPr>
         <p:blipFill>
-          <a:blip r:embed="rId2">
+          <a:blip r:embed="rId3">
             <a:extLst>
               <a:ext uri="{28A0092B-C50C-407E-A947-70E740481C1C}">
                 <a14:useLocalDpi xmlns:a14="http://schemas.microsoft.com/office/drawing/2010/main" val="0"/>
@@ -13987,11 +14870,7 @@
           <a:p>
             <a:r>
               <a:rPr lang="en-US" dirty="0" smtClean="0"/>
-              <a:t>DELETE the target </a:t>
-            </a:r>
-            <a:r>
-              <a:rPr lang="en-US" dirty="0" smtClean="0"/>
-              <a:t>item by ID</a:t>
+              <a:t>DELETE the target item by ID</a:t>
             </a:r>
           </a:p>
           <a:p>
@@ -14024,11 +14903,7 @@
           <a:p>
             <a:r>
               <a:rPr lang="en-US" dirty="0" smtClean="0"/>
-              <a:t>Deleting a </a:t>
-            </a:r>
-            <a:r>
-              <a:rPr lang="en-US" dirty="0" smtClean="0"/>
-              <a:t>List Item</a:t>
+              <a:t>Deleting a List Item</a:t>
             </a:r>
             <a:endParaRPr lang="en-US" dirty="0"/>
           </a:p>
@@ -14173,7 +15048,7 @@
                 <a:gridCol w="11225057">
                   <a:extLst>
                     <a:ext uri="{9D8B030D-6E8A-4147-A177-3AD203B41FA5}">
-                      <a16:colId xmlns="" xmlns:a16="http://schemas.microsoft.com/office/drawing/2014/main" val="1253488153"/>
+                      <a16:colId xmlns:a16="http://schemas.microsoft.com/office/drawing/2014/main" xmlns="" val="1253488153"/>
                     </a:ext>
                   </a:extLst>
                 </a:gridCol>
@@ -14195,7 +15070,7 @@
                 </a:tc>
                 <a:extLst>
                   <a:ext uri="{0D108BD9-81ED-4DB2-BD59-A6C34878D82A}">
-                    <a16:rowId xmlns="" xmlns:a16="http://schemas.microsoft.com/office/drawing/2014/main" val="829859176"/>
+                    <a16:rowId xmlns:a16="http://schemas.microsoft.com/office/drawing/2014/main" xmlns="" val="829859176"/>
                   </a:ext>
                 </a:extLst>
               </a:tr>
@@ -14216,7 +15091,7 @@
                 </a:tc>
                 <a:extLst>
                   <a:ext uri="{0D108BD9-81ED-4DB2-BD59-A6C34878D82A}">
-                    <a16:rowId xmlns="" xmlns:a16="http://schemas.microsoft.com/office/drawing/2014/main" val="1946132611"/>
+                    <a16:rowId xmlns:a16="http://schemas.microsoft.com/office/drawing/2014/main" xmlns="" val="1946132611"/>
                   </a:ext>
                 </a:extLst>
               </a:tr>
@@ -14258,7 +15133,7 @@
                 </a:tc>
                 <a:extLst>
                   <a:ext uri="{0D108BD9-81ED-4DB2-BD59-A6C34878D82A}">
-                    <a16:rowId xmlns="" xmlns:a16="http://schemas.microsoft.com/office/drawing/2014/main" val="3204002662"/>
+                    <a16:rowId xmlns:a16="http://schemas.microsoft.com/office/drawing/2014/main" xmlns="" val="3204002662"/>
                   </a:ext>
                 </a:extLst>
               </a:tr>
@@ -14295,7 +15170,7 @@
                 </a:tc>
                 <a:extLst>
                   <a:ext uri="{0D108BD9-81ED-4DB2-BD59-A6C34878D82A}">
-                    <a16:rowId xmlns="" xmlns:a16="http://schemas.microsoft.com/office/drawing/2014/main" val="4266278162"/>
+                    <a16:rowId xmlns:a16="http://schemas.microsoft.com/office/drawing/2014/main" xmlns="" val="4266278162"/>
                   </a:ext>
                 </a:extLst>
               </a:tr>
@@ -15237,11 +16112,7 @@
           <a:p>
             <a:r>
               <a:rPr lang="en-US" dirty="0" smtClean="0"/>
-              <a:t>File </a:t>
-            </a:r>
-            <a:r>
-              <a:rPr lang="en-US" dirty="0" smtClean="0"/>
-              <a:t>Operations with </a:t>
+              <a:t>File Operations with </a:t>
             </a:r>
             <a:r>
               <a:rPr lang="en-US" dirty="0" err="1" smtClean="0"/>
@@ -15624,7 +16495,7 @@
           <p:nvPr/>
         </p:nvPicPr>
         <p:blipFill>
-          <a:blip r:embed="rId2">
+          <a:blip r:embed="rId3">
             <a:extLst>
               <a:ext uri="{28A0092B-C50C-407E-A947-70E740481C1C}">
                 <a14:useLocalDpi xmlns:a14="http://schemas.microsoft.com/office/drawing/2010/main" val="0"/>
@@ -17061,6 +17932,21 @@
 </file>
 
 <file path=customXml/item1.xml><?xml version="1.0" encoding="utf-8"?>
+<?mso-contentType ?>
+<FormTemplates xmlns="http://schemas.microsoft.com/sharepoint/v3/contenttype/forms">
+  <Display>DocumentLibraryForm</Display>
+  <Edit>DocumentLibraryForm</Edit>
+  <New>DocumentLibraryForm</New>
+</FormTemplates>
+</file>
+
+<file path=customXml/item2.xml><?xml version="1.0" encoding="utf-8"?>
+<p:properties xmlns:p="http://schemas.microsoft.com/office/2006/metadata/properties" xmlns:xsi="http://www.w3.org/2001/XMLSchema-instance" xmlns:pc="http://schemas.microsoft.com/office/infopath/2007/PartnerControls">
+  <documentManagement/>
+</p:properties>
+</file>
+
+<file path=customXml/item3.xml><?xml version="1.0" encoding="utf-8"?>
 <ct:contentTypeSchema xmlns:ct="http://schemas.microsoft.com/office/2006/metadata/contentType" xmlns:ma="http://schemas.microsoft.com/office/2006/metadata/properties/metaAttributes" ct:_="" ma:_="" ma:contentTypeName="Document" ma:contentTypeID="0x010100A2E4C90AA7333249A7DBC8CC6F49919B" ma:contentTypeVersion="1" ma:contentTypeDescription="Create a new document." ma:contentTypeScope="" ma:versionID="e7b09f0f38d7ed30c7da14951e97abcc">
   <xsd:schema xmlns:xsd="http://www.w3.org/2001/XMLSchema" xmlns:xs="http://www.w3.org/2001/XMLSchema" xmlns:p="http://schemas.microsoft.com/office/2006/metadata/properties" xmlns:ns2="5fad15d0-477e-40da-a20d-40d4ca777cbd" targetNamespace="http://schemas.microsoft.com/office/2006/metadata/properties" ma:root="true" ma:fieldsID="0cee24db179c30c5ebec40b677cadf70" ns2:_="">
     <xsd:import namespace="5fad15d0-477e-40da-a20d-40d4ca777cbd"/>
@@ -17200,35 +18086,10 @@
 </ct:contentTypeSchema>
 </file>
 
-<file path=customXml/item2.xml><?xml version="1.0" encoding="utf-8"?>
-<p:properties xmlns:p="http://schemas.microsoft.com/office/2006/metadata/properties" xmlns:xsi="http://www.w3.org/2001/XMLSchema-instance" xmlns:pc="http://schemas.microsoft.com/office/infopath/2007/PartnerControls">
-  <documentManagement/>
-</p:properties>
-</file>
-
-<file path=customXml/item3.xml><?xml version="1.0" encoding="utf-8"?>
-<?mso-contentType ?>
-<FormTemplates xmlns="http://schemas.microsoft.com/sharepoint/v3/contenttype/forms">
-  <Display>DocumentLibraryForm</Display>
-  <Edit>DocumentLibraryForm</Edit>
-  <New>DocumentLibraryForm</New>
-</FormTemplates>
-</file>
-
 <file path=customXml/itemProps1.xml><?xml version="1.0" encoding="utf-8"?>
-<ds:datastoreItem xmlns:ds="http://schemas.openxmlformats.org/officeDocument/2006/customXml" ds:itemID="{F17DCE38-6787-497B-B958-75817420EB1E}">
+<ds:datastoreItem xmlns:ds="http://schemas.openxmlformats.org/officeDocument/2006/customXml" ds:itemID="{E1E0CE18-CA03-4891-9CD8-3448778E3D53}">
   <ds:schemaRefs>
-    <ds:schemaRef ds:uri="http://schemas.microsoft.com/office/2006/metadata/contentType"/>
-    <ds:schemaRef ds:uri="http://schemas.microsoft.com/office/2006/metadata/properties/metaAttributes"/>
-    <ds:schemaRef ds:uri="http://www.w3.org/2001/XMLSchema"/>
-    <ds:schemaRef ds:uri="http://schemas.microsoft.com/office/2006/metadata/properties"/>
-    <ds:schemaRef ds:uri="5fad15d0-477e-40da-a20d-40d4ca777cbd"/>
-    <ds:schemaRef ds:uri="http://schemas.microsoft.com/office/2006/documentManagement/types"/>
-    <ds:schemaRef ds:uri="http://schemas.microsoft.com/office/infopath/2007/PartnerControls"/>
-    <ds:schemaRef ds:uri="http://schemas.openxmlformats.org/package/2006/metadata/core-properties"/>
-    <ds:schemaRef ds:uri="http://purl.org/dc/elements/1.1/"/>
-    <ds:schemaRef ds:uri="http://purl.org/dc/terms/"/>
-    <ds:schemaRef ds:uri="http://schemas.microsoft.com/internal/obd"/>
+    <ds:schemaRef ds:uri="http://schemas.microsoft.com/sharepoint/v3/contenttype/forms"/>
   </ds:schemaRefs>
 </ds:datastoreItem>
 </file>
@@ -17250,9 +18111,19 @@
 </file>
 
 <file path=customXml/itemProps3.xml><?xml version="1.0" encoding="utf-8"?>
-<ds:datastoreItem xmlns:ds="http://schemas.openxmlformats.org/officeDocument/2006/customXml" ds:itemID="{E1E0CE18-CA03-4891-9CD8-3448778E3D53}">
+<ds:datastoreItem xmlns:ds="http://schemas.openxmlformats.org/officeDocument/2006/customXml" ds:itemID="{F17DCE38-6787-497B-B958-75817420EB1E}">
   <ds:schemaRefs>
-    <ds:schemaRef ds:uri="http://schemas.microsoft.com/sharepoint/v3/contenttype/forms"/>
+    <ds:schemaRef ds:uri="http://schemas.microsoft.com/office/2006/metadata/contentType"/>
+    <ds:schemaRef ds:uri="http://schemas.microsoft.com/office/2006/metadata/properties/metaAttributes"/>
+    <ds:schemaRef ds:uri="http://www.w3.org/2001/XMLSchema"/>
+    <ds:schemaRef ds:uri="http://schemas.microsoft.com/office/2006/metadata/properties"/>
+    <ds:schemaRef ds:uri="5fad15d0-477e-40da-a20d-40d4ca777cbd"/>
+    <ds:schemaRef ds:uri="http://schemas.microsoft.com/office/2006/documentManagement/types"/>
+    <ds:schemaRef ds:uri="http://schemas.microsoft.com/office/infopath/2007/PartnerControls"/>
+    <ds:schemaRef ds:uri="http://schemas.openxmlformats.org/package/2006/metadata/core-properties"/>
+    <ds:schemaRef ds:uri="http://purl.org/dc/elements/1.1/"/>
+    <ds:schemaRef ds:uri="http://purl.org/dc/terms/"/>
+    <ds:schemaRef ds:uri="http://schemas.microsoft.com/internal/obd"/>
   </ds:schemaRefs>
 </ds:datastoreItem>
 </file>
--- a/O3653-4 Deep Dive into Office 365 APIs for SharePoint Site services/O3653-4 Deep Dive into Office 365 APIs for SharePoint Site services.pptx
+++ b/O3653-4 Deep Dive into Office 365 APIs for SharePoint Site services/O3653-4 Deep Dive into Office 365 APIs for SharePoint Site services.pptx
@@ -6,10 +6,10 @@
     <p:sldMasterId id="2147484046" r:id="rId5"/>
   </p:sldMasterIdLst>
   <p:notesMasterIdLst>
-    <p:notesMasterId r:id="rId28"/>
+    <p:notesMasterId r:id="rId27"/>
   </p:notesMasterIdLst>
   <p:handoutMasterIdLst>
-    <p:handoutMasterId r:id="rId29"/>
+    <p:handoutMasterId r:id="rId28"/>
   </p:handoutMasterIdLst>
   <p:sldIdLst>
     <p:sldId id="778" r:id="rId6"/>
@@ -26,14 +26,13 @@
     <p:sldId id="876" r:id="rId17"/>
     <p:sldId id="866" r:id="rId18"/>
     <p:sldId id="867" r:id="rId19"/>
-    <p:sldId id="877" r:id="rId20"/>
-    <p:sldId id="878" r:id="rId21"/>
-    <p:sldId id="879" r:id="rId22"/>
-    <p:sldId id="881" r:id="rId23"/>
-    <p:sldId id="880" r:id="rId24"/>
-    <p:sldId id="868" r:id="rId25"/>
-    <p:sldId id="853" r:id="rId26"/>
-    <p:sldId id="654" r:id="rId27"/>
+    <p:sldId id="878" r:id="rId20"/>
+    <p:sldId id="879" r:id="rId21"/>
+    <p:sldId id="881" r:id="rId22"/>
+    <p:sldId id="880" r:id="rId23"/>
+    <p:sldId id="868" r:id="rId24"/>
+    <p:sldId id="853" r:id="rId25"/>
+    <p:sldId id="654" r:id="rId26"/>
   </p:sldIdLst>
   <p:sldSz cx="12188825" cy="6858000"/>
   <p:notesSz cx="6858000" cy="9144000"/>
@@ -336,7 +335,7 @@
           <a:p>
             <a:fld id="{DE219B1A-AE41-483B-A766-69B9363DDA6A}" type="datetimeFigureOut">
               <a:rPr lang="en-US" smtClean="0"/>
-              <a:t>9/5/2014</a:t>
+              <a:t>9/29/2014</a:t>
             </a:fld>
             <a:endParaRPr lang="en-US"/>
           </a:p>
@@ -618,7 +617,7 @@
           <a:p>
             <a:fld id="{D51B1278-D92B-4AF3-A9C1-71DD298190CE}" type="datetimeFigureOut">
               <a:rPr lang="en-US" smtClean="0"/>
-              <a:t>9/5/2014</a:t>
+              <a:t>9/29/2014</a:t>
             </a:fld>
             <a:endParaRPr lang="en-US"/>
           </a:p>
@@ -1184,12 +1183,12 @@
       </p:sp>
       <p:sp>
         <p:nvSpPr>
-          <p:cNvPr id="4" name="Date Placeholder 3"/>
-          <p:cNvSpPr>
-            <a:spLocks noGrp="1"/>
-          </p:cNvSpPr>
-          <p:nvPr>
-            <p:ph type="dt" idx="10"/>
+          <p:cNvPr id="4" name="Footer Placeholder 3"/>
+          <p:cNvSpPr>
+            <a:spLocks noGrp="1"/>
+          </p:cNvSpPr>
+          <p:nvPr>
+            <p:ph type="ftr" sz="quarter" idx="10"/>
           </p:nvPr>
         </p:nvSpPr>
         <p:spPr/>
@@ -1197,85 +1196,16 @@
           <a:bodyPr/>
           <a:lstStyle/>
           <a:p>
-            <a:fld id="{FA286CF7-BB83-4FDF-AC68-569118A3F32E}" type="datetime1">
-              <a:rPr lang="en-US" smtClean="0"/>
-              <a:t>9/5/2014</a:t>
-            </a:fld>
-            <a:endParaRPr lang="en-US"/>
-          </a:p>
-        </p:txBody>
-      </p:sp>
-      <p:sp>
-        <p:nvSpPr>
-          <p:cNvPr id="5" name="Slide Number Placeholder 4"/>
-          <p:cNvSpPr>
-            <a:spLocks noGrp="1"/>
-          </p:cNvSpPr>
-          <p:nvPr>
-            <p:ph type="sldNum" sz="quarter" idx="11"/>
-          </p:nvPr>
-        </p:nvSpPr>
-        <p:spPr/>
-        <p:txBody>
-          <a:bodyPr/>
-          <a:lstStyle/>
-          <a:p>
-            <a:fld id="{B4008EB6-D09E-4580-8CD6-DDB14511944F}" type="slidenum">
-              <a:rPr lang="en-US" smtClean="0"/>
-              <a:t>19</a:t>
-            </a:fld>
-            <a:endParaRPr lang="en-US" dirty="0"/>
-          </a:p>
-        </p:txBody>
-      </p:sp>
-      <p:sp>
-        <p:nvSpPr>
-          <p:cNvPr id="6" name="Header Placeholder 5"/>
-          <p:cNvSpPr>
-            <a:spLocks noGrp="1"/>
-          </p:cNvSpPr>
-          <p:nvPr>
-            <p:ph type="hdr" sz="quarter" idx="12"/>
-          </p:nvPr>
-        </p:nvSpPr>
-        <p:spPr/>
-        <p:txBody>
-          <a:bodyPr/>
-          <a:lstStyle/>
-          <a:p>
-            <a:r>
-              <a:rPr lang="en-US" smtClean="0"/>
-              <a:t>Microsoft Office</a:t>
-            </a:r>
-            <a:endParaRPr lang="en-US" dirty="0"/>
-          </a:p>
-        </p:txBody>
-      </p:sp>
-      <p:sp>
-        <p:nvSpPr>
-          <p:cNvPr id="7" name="Footer Placeholder 6"/>
-          <p:cNvSpPr>
-            <a:spLocks noGrp="1"/>
-          </p:cNvSpPr>
-          <p:nvPr>
-            <p:ph type="ftr" sz="quarter" idx="13"/>
-          </p:nvPr>
-        </p:nvSpPr>
-        <p:spPr/>
-        <p:txBody>
-          <a:bodyPr/>
-          <a:lstStyle/>
-          <a:p>
-            <a:pPr marL="231775" defTabSz="914099" eaLnBrk="0" hangingPunct="0"/>
-            <a:r>
-              <a:rPr lang="en-US" sz="500" smtClean="0">
+            <a:pPr defTabSz="914099" eaLnBrk="0" hangingPunct="0"/>
+            <a:r>
+              <a:rPr lang="en-US" sz="400" smtClean="0">
                 <a:gradFill>
                   <a:gsLst>
                     <a:gs pos="0">
-                      <a:schemeClr val="tx1"/>
+                      <a:prstClr val="black"/>
                     </a:gs>
                     <a:gs pos="100000">
-                      <a:schemeClr val="tx1"/>
+                      <a:prstClr val="black"/>
                     </a:gs>
                   </a:gsLst>
                   <a:lin ang="5400000" scaled="0"/>
@@ -1284,38 +1214,16 @@
                 <a:ea typeface="Segoe UI" pitchFamily="34" charset="0"/>
                 <a:cs typeface="Segoe UI" pitchFamily="34" charset="0"/>
               </a:rPr>
-              <a:t>© 2012 Microsoft Corporation. All rights reserved. Microsoft, Windows, and other product names are or may be registered trademarks and/or trademarks in the U.S. and/or other countries.</a:t>
-            </a:r>
-          </a:p>
-          <a:p>
-            <a:pPr marL="231775" defTabSz="914099" eaLnBrk="0" hangingPunct="0"/>
-            <a:r>
-              <a:rPr lang="en-US" sz="500" smtClean="0">
-                <a:gradFill>
-                  <a:gsLst>
-                    <a:gs pos="0">
-                      <a:schemeClr val="tx1"/>
-                    </a:gs>
-                    <a:gs pos="100000">
-                      <a:schemeClr val="tx1"/>
-                    </a:gs>
-                  </a:gsLst>
-                  <a:lin ang="5400000" scaled="0"/>
-                </a:gradFill>
-                <a:latin typeface="Segoe UI" pitchFamily="34" charset="0"/>
-                <a:ea typeface="Segoe UI" pitchFamily="34" charset="0"/>
-                <a:cs typeface="Segoe UI" pitchFamily="34" charset="0"/>
-              </a:rPr>
-              <a:t>The information herein is for informational purposes only and represents the current view of Microsoft Corporation as of the date of this presentation.  Because Microsoft must respond to changing market conditions, it should not be interpreted to be a commitment on the part of Microsoft, and Microsoft cannot guarantee the accuracy of any information provided after the date of this presentation.  MICROSOFT MAKES NO WARRANTIES, EXPRESS, IMPLIED OR STATUTORY, AS TO THE INFORMATION IN THIS PRESENTATION.</a:t>
-            </a:r>
-            <a:endParaRPr lang="en-US" sz="500" dirty="0">
+              <a:t>© 2014 Microsoft Corporation. All rights reserved. Microsoft, Windows, and other product names are or may be registered trademarks and/or trademarks in the U.S. and/or other countries. The information herein is for informational purposes only and represents the current view of Microsoft Corporation as of the date of this presentation.  Because Microsoft must respond to changing market conditions, it should not be interpreted to be a commitment on the part of Microsoft, and Microsoft cannot guarantee the accuracy of any information provided after the date of this presentation.  MICROSOFT MAKES NO WARRANTIES, EXPRESS, IMPLIED OR STATUTORY, AS TO THE INFORMATION IN THIS PRESENTATION.</a:t>
+            </a:r>
+            <a:endParaRPr lang="en-US" sz="400" dirty="0" smtClean="0">
               <a:gradFill>
                 <a:gsLst>
                   <a:gs pos="0">
-                    <a:schemeClr val="tx1"/>
+                    <a:prstClr val="black"/>
                   </a:gs>
                   <a:gs pos="100000">
-                    <a:schemeClr val="tx1"/>
+                    <a:prstClr val="black"/>
                   </a:gs>
                 </a:gsLst>
                 <a:lin ang="5400000" scaled="0"/>
@@ -1327,10 +1235,80 @@
           </a:p>
         </p:txBody>
       </p:sp>
+      <p:sp>
+        <p:nvSpPr>
+          <p:cNvPr id="5" name="Date Placeholder 4"/>
+          <p:cNvSpPr>
+            <a:spLocks noGrp="1"/>
+          </p:cNvSpPr>
+          <p:nvPr>
+            <p:ph type="dt" idx="11"/>
+          </p:nvPr>
+        </p:nvSpPr>
+        <p:spPr/>
+        <p:txBody>
+          <a:bodyPr/>
+          <a:lstStyle/>
+          <a:p>
+            <a:fld id="{B079C3B8-7366-4A44-A34B-3977080C19E7}" type="datetime1">
+              <a:rPr lang="en-US" smtClean="0"/>
+              <a:t>9/29/2014</a:t>
+            </a:fld>
+            <a:endParaRPr lang="en-US" dirty="0"/>
+          </a:p>
+        </p:txBody>
+      </p:sp>
+      <p:sp>
+        <p:nvSpPr>
+          <p:cNvPr id="6" name="Slide Number Placeholder 5"/>
+          <p:cNvSpPr>
+            <a:spLocks noGrp="1"/>
+          </p:cNvSpPr>
+          <p:nvPr>
+            <p:ph type="sldNum" sz="quarter" idx="12"/>
+          </p:nvPr>
+        </p:nvSpPr>
+        <p:spPr/>
+        <p:txBody>
+          <a:bodyPr/>
+          <a:lstStyle/>
+          <a:p>
+            <a:fld id="{B4008EB6-D09E-4580-8CD6-DDB14511944F}" type="slidenum">
+              <a:rPr lang="en-US" smtClean="0"/>
+              <a:pPr/>
+              <a:t>20</a:t>
+            </a:fld>
+            <a:endParaRPr lang="en-US" dirty="0"/>
+          </a:p>
+        </p:txBody>
+      </p:sp>
+      <p:sp>
+        <p:nvSpPr>
+          <p:cNvPr id="7" name="Header Placeholder 6"/>
+          <p:cNvSpPr>
+            <a:spLocks noGrp="1"/>
+          </p:cNvSpPr>
+          <p:nvPr>
+            <p:ph type="hdr" sz="quarter" idx="13"/>
+          </p:nvPr>
+        </p:nvSpPr>
+        <p:spPr/>
+        <p:txBody>
+          <a:bodyPr/>
+          <a:lstStyle/>
+          <a:p>
+            <a:r>
+              <a:rPr lang="en-US" smtClean="0"/>
+              <a:t>Build 2014</a:t>
+            </a:r>
+            <a:endParaRPr lang="en-US" dirty="0"/>
+          </a:p>
+        </p:txBody>
+      </p:sp>
     </p:spTree>
     <p:extLst>
       <p:ext uri="{BB962C8B-B14F-4D97-AF65-F5344CB8AC3E}">
-        <p14:creationId xmlns:p14="http://schemas.microsoft.com/office/powerpoint/2010/main" val="2134930651"/>
+        <p14:creationId xmlns:p14="http://schemas.microsoft.com/office/powerpoint/2010/main" val="2880687264"/>
       </p:ext>
     </p:extLst>
   </p:cSld>
@@ -1384,21 +1362,56 @@
           <a:bodyPr/>
           <a:lstStyle/>
           <a:p>
+            <a:endParaRPr lang="en-US"/>
+          </a:p>
+        </p:txBody>
+      </p:sp>
+      <p:sp>
+        <p:nvSpPr>
+          <p:cNvPr id="4" name="Header Placeholder 3"/>
+          <p:cNvSpPr>
+            <a:spLocks noGrp="1"/>
+          </p:cNvSpPr>
+          <p:nvPr>
+            <p:ph type="hdr" sz="quarter" idx="10"/>
+          </p:nvPr>
+        </p:nvSpPr>
+        <p:spPr>
+          <a:xfrm>
+            <a:off x="0" y="0"/>
+            <a:ext cx="2971800" cy="457200"/>
+          </a:xfrm>
+          <a:prstGeom prst="rect">
+            <a:avLst/>
+          </a:prstGeom>
+        </p:spPr>
+        <p:txBody>
+          <a:bodyPr/>
+          <a:lstStyle/>
+          <a:p>
             <a:endParaRPr lang="en-US" dirty="0"/>
           </a:p>
         </p:txBody>
       </p:sp>
       <p:sp>
         <p:nvSpPr>
-          <p:cNvPr id="4" name="Footer Placeholder 3"/>
-          <p:cNvSpPr>
-            <a:spLocks noGrp="1"/>
-          </p:cNvSpPr>
-          <p:nvPr>
-            <p:ph type="ftr" sz="quarter" idx="10"/>
-          </p:nvPr>
-        </p:nvSpPr>
-        <p:spPr/>
+          <p:cNvPr id="5" name="Footer Placeholder 4"/>
+          <p:cNvSpPr>
+            <a:spLocks noGrp="1"/>
+          </p:cNvSpPr>
+          <p:nvPr>
+            <p:ph type="ftr" sz="quarter" idx="11"/>
+          </p:nvPr>
+        </p:nvSpPr>
+        <p:spPr>
+          <a:xfrm>
+            <a:off x="0" y="8686800"/>
+            <a:ext cx="5920740" cy="355964"/>
+          </a:xfrm>
+          <a:prstGeom prst="rect">
+            <a:avLst/>
+          </a:prstGeom>
+        </p:spPr>
         <p:txBody>
           <a:bodyPr/>
           <a:lstStyle/>
@@ -1421,7 +1434,29 @@
                 <a:ea typeface="Segoe UI" pitchFamily="34" charset="0"/>
                 <a:cs typeface="Segoe UI" pitchFamily="34" charset="0"/>
               </a:rPr>
-              <a:t>© 2014 Microsoft Corporation. All rights reserved. Microsoft, Windows, and other product names are or may be registered trademarks and/or trademarks in the U.S. and/or other countries. The information herein is for informational purposes only and represents the current view of Microsoft Corporation as of the date of this presentation.  Because Microsoft must respond to changing market conditions, it should not be interpreted to be a commitment on the part of Microsoft, and Microsoft cannot guarantee the accuracy of any information provided after the date of this presentation.  MICROSOFT MAKES NO WARRANTIES, EXPRESS, IMPLIED OR STATUTORY, AS TO THE INFORMATION IN THIS PRESENTATION.</a:t>
+              <a:t>© 2012 Microsoft Corporation. All rights reserved. Microsoft, Windows, and other product names are or may be registered trademarks and/or trademarks in the U.S. and/or other countries.</a:t>
+            </a:r>
+          </a:p>
+          <a:p>
+            <a:pPr defTabSz="914099" eaLnBrk="0" hangingPunct="0"/>
+            <a:r>
+              <a:rPr lang="en-US" sz="400" smtClean="0">
+                <a:gradFill>
+                  <a:gsLst>
+                    <a:gs pos="0">
+                      <a:prstClr val="black"/>
+                    </a:gs>
+                    <a:gs pos="100000">
+                      <a:prstClr val="black"/>
+                    </a:gs>
+                  </a:gsLst>
+                  <a:lin ang="5400000" scaled="0"/>
+                </a:gradFill>
+                <a:latin typeface="Segoe UI" pitchFamily="34" charset="0"/>
+                <a:ea typeface="Segoe UI" pitchFamily="34" charset="0"/>
+                <a:cs typeface="Segoe UI" pitchFamily="34" charset="0"/>
+              </a:rPr>
+              <a:t>The information herein is for informational purposes only and represents the current view of Microsoft Corporation as of the date of this presentation.  Because Microsoft must respond to changing market conditions, it should not be interpreted to be a commitment on the part of Microsoft, and Microsoft cannot guarantee the accuracy of any information provided after the date of this presentation.  MICROSOFT MAKES NO WARRANTIES, EXPRESS, IMPLIED OR STATUTORY, AS TO THE INFORMATION IN THIS PRESENTATION.</a:t>
             </a:r>
             <a:endParaRPr lang="en-US" sz="400" dirty="0" smtClean="0">
               <a:gradFill>
@@ -1444,12 +1479,12 @@
       </p:sp>
       <p:sp>
         <p:nvSpPr>
-          <p:cNvPr id="5" name="Date Placeholder 4"/>
-          <p:cNvSpPr>
-            <a:spLocks noGrp="1"/>
-          </p:cNvSpPr>
-          <p:nvPr>
-            <p:ph type="dt" idx="11"/>
+          <p:cNvPr id="6" name="Date Placeholder 5"/>
+          <p:cNvSpPr>
+            <a:spLocks noGrp="1"/>
+          </p:cNvSpPr>
+          <p:nvPr>
+            <p:ph type="dt" idx="12"/>
           </p:nvPr>
         </p:nvSpPr>
         <p:spPr/>
@@ -1457,22 +1492,22 @@
           <a:bodyPr/>
           <a:lstStyle/>
           <a:p>
-            <a:fld id="{B079C3B8-7366-4A44-A34B-3977080C19E7}" type="datetime1">
+            <a:fld id="{0BB6559B-C68D-49B4-97AE-9BB74C417927}" type="datetime1">
               <a:rPr lang="en-US" smtClean="0"/>
-              <a:t>9/5/2014</a:t>
+              <a:t>9/29/2014</a:t>
             </a:fld>
-            <a:endParaRPr lang="en-US" dirty="0"/>
-          </a:p>
-        </p:txBody>
-      </p:sp>
-      <p:sp>
-        <p:nvSpPr>
-          <p:cNvPr id="6" name="Slide Number Placeholder 5"/>
-          <p:cNvSpPr>
-            <a:spLocks noGrp="1"/>
-          </p:cNvSpPr>
-          <p:nvPr>
-            <p:ph type="sldNum" sz="quarter" idx="12"/>
+            <a:endParaRPr lang="en-US"/>
+          </a:p>
+        </p:txBody>
+      </p:sp>
+      <p:sp>
+        <p:nvSpPr>
+          <p:cNvPr id="7" name="Slide Number Placeholder 6"/>
+          <p:cNvSpPr>
+            <a:spLocks noGrp="1"/>
+          </p:cNvSpPr>
+          <p:nvPr>
+            <p:ph type="sldNum" sz="quarter" idx="13"/>
           </p:nvPr>
         </p:nvSpPr>
         <p:spPr/>
@@ -1482,249 +1517,7 @@
           <a:p>
             <a:fld id="{B4008EB6-D09E-4580-8CD6-DDB14511944F}" type="slidenum">
               <a:rPr lang="en-US" smtClean="0"/>
-              <a:pPr/>
               <a:t>21</a:t>
-            </a:fld>
-            <a:endParaRPr lang="en-US" dirty="0"/>
-          </a:p>
-        </p:txBody>
-      </p:sp>
-      <p:sp>
-        <p:nvSpPr>
-          <p:cNvPr id="7" name="Header Placeholder 6"/>
-          <p:cNvSpPr>
-            <a:spLocks noGrp="1"/>
-          </p:cNvSpPr>
-          <p:nvPr>
-            <p:ph type="hdr" sz="quarter" idx="13"/>
-          </p:nvPr>
-        </p:nvSpPr>
-        <p:spPr/>
-        <p:txBody>
-          <a:bodyPr/>
-          <a:lstStyle/>
-          <a:p>
-            <a:r>
-              <a:rPr lang="en-US" smtClean="0"/>
-              <a:t>Build 2014</a:t>
-            </a:r>
-            <a:endParaRPr lang="en-US" dirty="0"/>
-          </a:p>
-        </p:txBody>
-      </p:sp>
-    </p:spTree>
-    <p:extLst>
-      <p:ext uri="{BB962C8B-B14F-4D97-AF65-F5344CB8AC3E}">
-        <p14:creationId xmlns:p14="http://schemas.microsoft.com/office/powerpoint/2010/main" val="2880687264"/>
-      </p:ext>
-    </p:extLst>
-  </p:cSld>
-  <p:clrMapOvr>
-    <a:masterClrMapping/>
-  </p:clrMapOvr>
-</p:notes>
-</file>
-
-<file path=ppt/notesSlides/notesSlide12.xml><?xml version="1.0" encoding="utf-8"?>
-<p:notes xmlns:a="http://schemas.openxmlformats.org/drawingml/2006/main" xmlns:r="http://schemas.openxmlformats.org/officeDocument/2006/relationships" xmlns:p="http://schemas.openxmlformats.org/presentationml/2006/main">
-  <p:cSld>
-    <p:spTree>
-      <p:nvGrpSpPr>
-        <p:cNvPr id="1" name=""/>
-        <p:cNvGrpSpPr/>
-        <p:nvPr/>
-      </p:nvGrpSpPr>
-      <p:grpSpPr>
-        <a:xfrm>
-          <a:off x="0" y="0"/>
-          <a:ext cx="0" cy="0"/>
-          <a:chOff x="0" y="0"/>
-          <a:chExt cx="0" cy="0"/>
-        </a:xfrm>
-      </p:grpSpPr>
-      <p:sp>
-        <p:nvSpPr>
-          <p:cNvPr id="2" name="Slide Image Placeholder 1"/>
-          <p:cNvSpPr>
-            <a:spLocks noGrp="1" noRot="1" noChangeAspect="1"/>
-          </p:cNvSpPr>
-          <p:nvPr>
-            <p:ph type="sldImg"/>
-          </p:nvPr>
-        </p:nvSpPr>
-        <p:spPr/>
-      </p:sp>
-      <p:sp>
-        <p:nvSpPr>
-          <p:cNvPr id="3" name="Notes Placeholder 2"/>
-          <p:cNvSpPr>
-            <a:spLocks noGrp="1"/>
-          </p:cNvSpPr>
-          <p:nvPr>
-            <p:ph type="body" idx="1"/>
-          </p:nvPr>
-        </p:nvSpPr>
-        <p:spPr/>
-        <p:txBody>
-          <a:bodyPr/>
-          <a:lstStyle/>
-          <a:p>
-            <a:endParaRPr lang="en-US"/>
-          </a:p>
-        </p:txBody>
-      </p:sp>
-      <p:sp>
-        <p:nvSpPr>
-          <p:cNvPr id="4" name="Header Placeholder 3"/>
-          <p:cNvSpPr>
-            <a:spLocks noGrp="1"/>
-          </p:cNvSpPr>
-          <p:nvPr>
-            <p:ph type="hdr" sz="quarter" idx="10"/>
-          </p:nvPr>
-        </p:nvSpPr>
-        <p:spPr>
-          <a:xfrm>
-            <a:off x="0" y="0"/>
-            <a:ext cx="2971800" cy="457200"/>
-          </a:xfrm>
-          <a:prstGeom prst="rect">
-            <a:avLst/>
-          </a:prstGeom>
-        </p:spPr>
-        <p:txBody>
-          <a:bodyPr/>
-          <a:lstStyle/>
-          <a:p>
-            <a:endParaRPr lang="en-US" dirty="0"/>
-          </a:p>
-        </p:txBody>
-      </p:sp>
-      <p:sp>
-        <p:nvSpPr>
-          <p:cNvPr id="5" name="Footer Placeholder 4"/>
-          <p:cNvSpPr>
-            <a:spLocks noGrp="1"/>
-          </p:cNvSpPr>
-          <p:nvPr>
-            <p:ph type="ftr" sz="quarter" idx="11"/>
-          </p:nvPr>
-        </p:nvSpPr>
-        <p:spPr>
-          <a:xfrm>
-            <a:off x="0" y="8686800"/>
-            <a:ext cx="5920740" cy="355964"/>
-          </a:xfrm>
-          <a:prstGeom prst="rect">
-            <a:avLst/>
-          </a:prstGeom>
-        </p:spPr>
-        <p:txBody>
-          <a:bodyPr/>
-          <a:lstStyle/>
-          <a:p>
-            <a:pPr defTabSz="914099" eaLnBrk="0" hangingPunct="0"/>
-            <a:r>
-              <a:rPr lang="en-US" sz="400" smtClean="0">
-                <a:gradFill>
-                  <a:gsLst>
-                    <a:gs pos="0">
-                      <a:prstClr val="black"/>
-                    </a:gs>
-                    <a:gs pos="100000">
-                      <a:prstClr val="black"/>
-                    </a:gs>
-                  </a:gsLst>
-                  <a:lin ang="5400000" scaled="0"/>
-                </a:gradFill>
-                <a:latin typeface="Segoe UI" pitchFamily="34" charset="0"/>
-                <a:ea typeface="Segoe UI" pitchFamily="34" charset="0"/>
-                <a:cs typeface="Segoe UI" pitchFamily="34" charset="0"/>
-              </a:rPr>
-              <a:t>© 2012 Microsoft Corporation. All rights reserved. Microsoft, Windows, and other product names are or may be registered trademarks and/or trademarks in the U.S. and/or other countries.</a:t>
-            </a:r>
-          </a:p>
-          <a:p>
-            <a:pPr defTabSz="914099" eaLnBrk="0" hangingPunct="0"/>
-            <a:r>
-              <a:rPr lang="en-US" sz="400" smtClean="0">
-                <a:gradFill>
-                  <a:gsLst>
-                    <a:gs pos="0">
-                      <a:prstClr val="black"/>
-                    </a:gs>
-                    <a:gs pos="100000">
-                      <a:prstClr val="black"/>
-                    </a:gs>
-                  </a:gsLst>
-                  <a:lin ang="5400000" scaled="0"/>
-                </a:gradFill>
-                <a:latin typeface="Segoe UI" pitchFamily="34" charset="0"/>
-                <a:ea typeface="Segoe UI" pitchFamily="34" charset="0"/>
-                <a:cs typeface="Segoe UI" pitchFamily="34" charset="0"/>
-              </a:rPr>
-              <a:t>The information herein is for informational purposes only and represents the current view of Microsoft Corporation as of the date of this presentation.  Because Microsoft must respond to changing market conditions, it should not be interpreted to be a commitment on the part of Microsoft, and Microsoft cannot guarantee the accuracy of any information provided after the date of this presentation.  MICROSOFT MAKES NO WARRANTIES, EXPRESS, IMPLIED OR STATUTORY, AS TO THE INFORMATION IN THIS PRESENTATION.</a:t>
-            </a:r>
-            <a:endParaRPr lang="en-US" sz="400" dirty="0" smtClean="0">
-              <a:gradFill>
-                <a:gsLst>
-                  <a:gs pos="0">
-                    <a:prstClr val="black"/>
-                  </a:gs>
-                  <a:gs pos="100000">
-                    <a:prstClr val="black"/>
-                  </a:gs>
-                </a:gsLst>
-                <a:lin ang="5400000" scaled="0"/>
-              </a:gradFill>
-              <a:latin typeface="Segoe UI" pitchFamily="34" charset="0"/>
-              <a:ea typeface="Segoe UI" pitchFamily="34" charset="0"/>
-              <a:cs typeface="Segoe UI" pitchFamily="34" charset="0"/>
-            </a:endParaRPr>
-          </a:p>
-        </p:txBody>
-      </p:sp>
-      <p:sp>
-        <p:nvSpPr>
-          <p:cNvPr id="6" name="Date Placeholder 5"/>
-          <p:cNvSpPr>
-            <a:spLocks noGrp="1"/>
-          </p:cNvSpPr>
-          <p:nvPr>
-            <p:ph type="dt" idx="12"/>
-          </p:nvPr>
-        </p:nvSpPr>
-        <p:spPr/>
-        <p:txBody>
-          <a:bodyPr/>
-          <a:lstStyle/>
-          <a:p>
-            <a:fld id="{0BB6559B-C68D-49B4-97AE-9BB74C417927}" type="datetime1">
-              <a:rPr lang="en-US" smtClean="0"/>
-              <a:t>9/5/2014</a:t>
-            </a:fld>
-            <a:endParaRPr lang="en-US"/>
-          </a:p>
-        </p:txBody>
-      </p:sp>
-      <p:sp>
-        <p:nvSpPr>
-          <p:cNvPr id="7" name="Slide Number Placeholder 6"/>
-          <p:cNvSpPr>
-            <a:spLocks noGrp="1"/>
-          </p:cNvSpPr>
-          <p:nvPr>
-            <p:ph type="sldNum" sz="quarter" idx="13"/>
-          </p:nvPr>
-        </p:nvSpPr>
-        <p:spPr/>
-        <p:txBody>
-          <a:bodyPr/>
-          <a:lstStyle/>
-          <a:p>
-            <a:fld id="{B4008EB6-D09E-4580-8CD6-DDB14511944F}" type="slidenum">
-              <a:rPr lang="en-US" smtClean="0"/>
-              <a:t>22</a:t>
             </a:fld>
             <a:endParaRPr lang="en-US" dirty="0"/>
           </a:p>
@@ -1862,7 +1655,7 @@
           <a:p>
             <a:fld id="{B079C3B8-7366-4A44-A34B-3977080C19E7}" type="datetime1">
               <a:rPr lang="en-US" smtClean="0"/>
-              <a:t>9/5/2014</a:t>
+              <a:t>9/29/2014</a:t>
             </a:fld>
             <a:endParaRPr lang="en-US" dirty="0"/>
           </a:p>
@@ -2015,7 +1808,7 @@
           <a:p>
             <a:fld id="{BD31152A-8F7C-408D-9061-F291D3F7D7A4}" type="datetime1">
               <a:rPr lang="en-US" smtClean="0"/>
-              <a:t>9/5/2014</a:t>
+              <a:t>9/29/2014</a:t>
             </a:fld>
             <a:endParaRPr lang="en-US"/>
           </a:p>
@@ -2225,7 +2018,7 @@
           <a:p>
             <a:fld id="{6559E235-6933-4AAE-8A0A-F0BAC5F37D5D}" type="datetime1">
               <a:rPr lang="en-US" smtClean="0"/>
-              <a:t>9/5/2014</a:t>
+              <a:t>9/29/2014</a:t>
             </a:fld>
             <a:endParaRPr lang="en-US"/>
           </a:p>
@@ -2412,11 +2205,7 @@
           <a:p>
             <a:r>
               <a:rPr lang="en-US" dirty="0" smtClean="0"/>
-              <a:t>The discovery service discovers the </a:t>
-            </a:r>
-            <a:r>
-              <a:rPr lang="en-US" dirty="0" smtClean="0"/>
-              <a:t>SharePoint</a:t>
+              <a:t>The discovery service discovers the SharePoint</a:t>
             </a:r>
             <a:r>
               <a:rPr lang="en-US" baseline="0" dirty="0" smtClean="0"/>
@@ -2428,15 +2217,7 @@
             </a:r>
             <a:r>
               <a:rPr lang="en-US" baseline="0" dirty="0" smtClean="0"/>
-              <a:t> </a:t>
-            </a:r>
-            <a:r>
-              <a:rPr lang="en-US" baseline="0" dirty="0" smtClean="0"/>
-              <a:t>which </a:t>
-            </a:r>
-            <a:r>
-              <a:rPr lang="en-US" baseline="0" dirty="0" smtClean="0"/>
-              <a:t>we can use to access document libraries</a:t>
+              <a:t> which we can use to access document libraries</a:t>
             </a:r>
             <a:endParaRPr lang="en-US" dirty="0"/>
           </a:p>
@@ -2459,7 +2240,7 @@
           <a:p>
             <a:fld id="{23FDFFE0-9E47-4B8C-842E-FA426FE218C8}" type="datetime1">
               <a:rPr lang="en-US" smtClean="0"/>
-              <a:t>9/5/2014</a:t>
+              <a:t>9/29/2014</a:t>
             </a:fld>
             <a:endParaRPr lang="en-US"/>
           </a:p>
@@ -2701,7 +2482,7 @@
           <a:p>
             <a:fld id="{8DACB9AA-B03F-4672-BD3F-07034206D49E}" type="datetime1">
               <a:rPr lang="en-US" smtClean="0"/>
-              <a:t>9/5/2014</a:t>
+              <a:t>9/29/2014</a:t>
             </a:fld>
             <a:endParaRPr lang="en-US"/>
           </a:p>
@@ -2888,15 +2669,19 @@
           <a:p>
             <a:r>
               <a:rPr lang="en-US" dirty="0" smtClean="0"/>
-              <a:t>See how we return an access</a:t>
+              <a:t>No support for $skip</a:t>
             </a:r>
             <a:r>
               <a:rPr lang="en-US" baseline="0" dirty="0" smtClean="0"/>
-              <a:t> token instead of the </a:t>
+              <a:t> and $</a:t>
             </a:r>
             <a:r>
               <a:rPr lang="en-US" baseline="0" dirty="0" err="1" smtClean="0"/>
-              <a:t>SharePointClient</a:t>
+              <a:t>orderby</a:t>
+            </a:r>
+            <a:r>
+              <a:rPr lang="en-US" baseline="0" dirty="0" smtClean="0"/>
+              <a:t> so paging is post-query</a:t>
             </a:r>
             <a:endParaRPr lang="en-US" dirty="0"/>
           </a:p>
@@ -2917,9 +2702,9 @@
           <a:bodyPr/>
           <a:lstStyle/>
           <a:p>
-            <a:fld id="{A4FF4DFC-FE76-4FFF-B8D1-06C1BF5BA1A6}" type="datetime1">
+            <a:fld id="{9F6C2A45-62A9-453C-B1A0-E9BD4232256A}" type="datetime1">
               <a:rPr lang="en-US" smtClean="0"/>
-              <a:t>9/5/2014</a:t>
+              <a:t>9/29/2014</a:t>
             </a:fld>
             <a:endParaRPr lang="en-US"/>
           </a:p>
@@ -3050,7 +2835,7 @@
     </p:spTree>
     <p:extLst>
       <p:ext uri="{BB962C8B-B14F-4D97-AF65-F5344CB8AC3E}">
-        <p14:creationId xmlns:p14="http://schemas.microsoft.com/office/powerpoint/2010/main" val="3067391605"/>
+        <p14:creationId xmlns:p14="http://schemas.microsoft.com/office/powerpoint/2010/main" val="185922338"/>
       </p:ext>
     </p:extLst>
   </p:cSld>
@@ -3106,19 +2891,21 @@
           <a:p>
             <a:r>
               <a:rPr lang="en-US" dirty="0" smtClean="0"/>
-              <a:t>No support for $skip</a:t>
+              <a:t>Notice how the </a:t>
+            </a:r>
+            <a:r>
+              <a:rPr lang="en-US" dirty="0" err="1" smtClean="0"/>
+              <a:t>FormDigest</a:t>
             </a:r>
             <a:r>
               <a:rPr lang="en-US" baseline="0" dirty="0" smtClean="0"/>
-              <a:t> and $</a:t>
-            </a:r>
-            <a:r>
-              <a:rPr lang="en-US" baseline="0" dirty="0" err="1" smtClean="0"/>
-              <a:t>orderby</a:t>
-            </a:r>
+              <a:t> isn’t passed</a:t>
+            </a:r>
+          </a:p>
+          <a:p>
             <a:r>
               <a:rPr lang="en-US" baseline="0" dirty="0" smtClean="0"/>
-              <a:t> so paging is post-query</a:t>
+              <a:t>We get all the permissions we need from Azure Active Directory</a:t>
             </a:r>
             <a:endParaRPr lang="en-US" dirty="0"/>
           </a:p>
@@ -3139,9 +2926,9 @@
           <a:bodyPr/>
           <a:lstStyle/>
           <a:p>
-            <a:fld id="{9F6C2A45-62A9-453C-B1A0-E9BD4232256A}" type="datetime1">
+            <a:fld id="{5F4BE20B-7B75-4971-AE6D-9106933A5A3B}" type="datetime1">
               <a:rPr lang="en-US" smtClean="0"/>
-              <a:t>9/5/2014</a:t>
+              <a:t>9/29/2014</a:t>
             </a:fld>
             <a:endParaRPr lang="en-US"/>
           </a:p>
@@ -3164,7 +2951,7 @@
           <a:p>
             <a:fld id="{B4008EB6-D09E-4580-8CD6-DDB14511944F}" type="slidenum">
               <a:rPr lang="en-US" smtClean="0"/>
-              <a:t>16</a:t>
+              <a:t>17</a:t>
             </a:fld>
             <a:endParaRPr lang="en-US" dirty="0"/>
           </a:p>
@@ -3272,7 +3059,7 @@
     </p:spTree>
     <p:extLst>
       <p:ext uri="{BB962C8B-B14F-4D97-AF65-F5344CB8AC3E}">
-        <p14:creationId xmlns:p14="http://schemas.microsoft.com/office/powerpoint/2010/main" val="185922338"/>
+        <p14:creationId xmlns:p14="http://schemas.microsoft.com/office/powerpoint/2010/main" val="4066814401"/>
       </p:ext>
     </p:extLst>
   </p:cSld>
@@ -3326,24 +3113,6 @@
           <a:bodyPr/>
           <a:lstStyle/>
           <a:p>
-            <a:r>
-              <a:rPr lang="en-US" dirty="0" smtClean="0"/>
-              <a:t>Notice how the </a:t>
-            </a:r>
-            <a:r>
-              <a:rPr lang="en-US" dirty="0" err="1" smtClean="0"/>
-              <a:t>FormDigest</a:t>
-            </a:r>
-            <a:r>
-              <a:rPr lang="en-US" baseline="0" dirty="0" smtClean="0"/>
-              <a:t> isn’t passed</a:t>
-            </a:r>
-          </a:p>
-          <a:p>
-            <a:r>
-              <a:rPr lang="en-US" baseline="0" dirty="0" smtClean="0"/>
-              <a:t>We get all the permissions we need from Azure Active Directory</a:t>
-            </a:r>
             <a:endParaRPr lang="en-US" dirty="0"/>
           </a:p>
         </p:txBody>
@@ -3363,9 +3132,9 @@
           <a:bodyPr/>
           <a:lstStyle/>
           <a:p>
-            <a:fld id="{5F4BE20B-7B75-4971-AE6D-9106933A5A3B}" type="datetime1">
+            <a:fld id="{FA286CF7-BB83-4FDF-AC68-569118A3F32E}" type="datetime1">
               <a:rPr lang="en-US" smtClean="0"/>
-              <a:t>9/5/2014</a:t>
+              <a:t>9/29/2014</a:t>
             </a:fld>
             <a:endParaRPr lang="en-US"/>
           </a:p>
@@ -3496,7 +3265,7 @@
     </p:spTree>
     <p:extLst>
       <p:ext uri="{BB962C8B-B14F-4D97-AF65-F5344CB8AC3E}">
-        <p14:creationId xmlns:p14="http://schemas.microsoft.com/office/powerpoint/2010/main" val="4066814401"/>
+        <p14:creationId xmlns:p14="http://schemas.microsoft.com/office/powerpoint/2010/main" val="2134930651"/>
       </p:ext>
     </p:extLst>
   </p:cSld>
@@ -14289,8 +14058,8 @@
         </p:nvSpPr>
         <p:spPr>
           <a:xfrm>
-            <a:off x="519112" y="1447800"/>
-            <a:ext cx="11149013" cy="632210"/>
+            <a:off x="519112" y="1447798"/>
+            <a:ext cx="11149013" cy="742743"/>
           </a:xfrm>
         </p:spPr>
         <p:txBody>
@@ -14299,7 +14068,7 @@
           <a:p>
             <a:r>
               <a:rPr lang="en-US" dirty="0" smtClean="0"/>
-              <a:t>Use Discovery Service to get an Access Token</a:t>
+              <a:t>Access the SharePoint REST API with the Access Token</a:t>
             </a:r>
             <a:endParaRPr lang="en-US" dirty="0"/>
           </a:p>
@@ -14322,7 +14091,7 @@
           <a:p>
             <a:r>
               <a:rPr lang="en-US" dirty="0" smtClean="0"/>
-              <a:t>Obtaining an Access Token</a:t>
+              <a:t>Reading List Items</a:t>
             </a:r>
             <a:endParaRPr lang="en-US" dirty="0"/>
           </a:p>
@@ -14347,144 +14116,6 @@
               <a:rPr lang="en-US" smtClean="0"/>
               <a:pPr/>
               <a:t>15</a:t>
-            </a:fld>
-            <a:endParaRPr lang="en-US" dirty="0"/>
-          </a:p>
-        </p:txBody>
-      </p:sp>
-      <p:pic>
-        <p:nvPicPr>
-          <p:cNvPr id="6" name="Picture 5"/>
-          <p:cNvPicPr>
-            <a:picLocks noChangeAspect="1"/>
-          </p:cNvPicPr>
-          <p:nvPr/>
-        </p:nvPicPr>
-        <p:blipFill>
-          <a:blip r:embed="rId3">
-            <a:extLst>
-              <a:ext uri="{28A0092B-C50C-407E-A947-70E740481C1C}">
-                <a14:useLocalDpi xmlns:a14="http://schemas.microsoft.com/office/drawing/2010/main" val="0"/>
-              </a:ext>
-            </a:extLst>
-          </a:blip>
-          <a:stretch>
-            <a:fillRect/>
-          </a:stretch>
-        </p:blipFill>
-        <p:spPr>
-          <a:xfrm>
-            <a:off x="1329536" y="2382975"/>
-            <a:ext cx="7488674" cy="3595793"/>
-          </a:xfrm>
-          <a:prstGeom prst="rect">
-            <a:avLst/>
-          </a:prstGeom>
-        </p:spPr>
-      </p:pic>
-    </p:spTree>
-    <p:extLst>
-      <p:ext uri="{BB962C8B-B14F-4D97-AF65-F5344CB8AC3E}">
-        <p14:creationId xmlns:p14="http://schemas.microsoft.com/office/powerpoint/2010/main" val="550336623"/>
-      </p:ext>
-    </p:extLst>
-  </p:cSld>
-  <p:clrMapOvr>
-    <a:masterClrMapping/>
-  </p:clrMapOvr>
-  <p:transition>
-    <p:fade/>
-  </p:transition>
-</p:sld>
-</file>
-
-<file path=ppt/slides/slide16.xml><?xml version="1.0" encoding="utf-8"?>
-<p:sld xmlns:a="http://schemas.openxmlformats.org/drawingml/2006/main" xmlns:r="http://schemas.openxmlformats.org/officeDocument/2006/relationships" xmlns:p="http://schemas.openxmlformats.org/presentationml/2006/main">
-  <p:cSld>
-    <p:spTree>
-      <p:nvGrpSpPr>
-        <p:cNvPr id="1" name=""/>
-        <p:cNvGrpSpPr/>
-        <p:nvPr/>
-      </p:nvGrpSpPr>
-      <p:grpSpPr>
-        <a:xfrm>
-          <a:off x="0" y="0"/>
-          <a:ext cx="0" cy="0"/>
-          <a:chOff x="0" y="0"/>
-          <a:chExt cx="0" cy="0"/>
-        </a:xfrm>
-      </p:grpSpPr>
-      <p:sp>
-        <p:nvSpPr>
-          <p:cNvPr id="2" name="Text Placeholder 1"/>
-          <p:cNvSpPr>
-            <a:spLocks noGrp="1"/>
-          </p:cNvSpPr>
-          <p:nvPr>
-            <p:ph type="body" sz="quarter" idx="10"/>
-          </p:nvPr>
-        </p:nvSpPr>
-        <p:spPr>
-          <a:xfrm>
-            <a:off x="519112" y="1447798"/>
-            <a:ext cx="11149013" cy="742743"/>
-          </a:xfrm>
-        </p:spPr>
-        <p:txBody>
-          <a:bodyPr/>
-          <a:lstStyle/>
-          <a:p>
-            <a:r>
-              <a:rPr lang="en-US" dirty="0" smtClean="0"/>
-              <a:t>Access the SharePoint REST API with the Access Token</a:t>
-            </a:r>
-            <a:endParaRPr lang="en-US" dirty="0"/>
-          </a:p>
-        </p:txBody>
-      </p:sp>
-      <p:sp>
-        <p:nvSpPr>
-          <p:cNvPr id="3" name="Title 2"/>
-          <p:cNvSpPr>
-            <a:spLocks noGrp="1"/>
-          </p:cNvSpPr>
-          <p:nvPr>
-            <p:ph type="title"/>
-          </p:nvPr>
-        </p:nvSpPr>
-        <p:spPr/>
-        <p:txBody>
-          <a:bodyPr/>
-          <a:lstStyle/>
-          <a:p>
-            <a:r>
-              <a:rPr lang="en-US" dirty="0" smtClean="0"/>
-              <a:t>Reading List Items</a:t>
-            </a:r>
-            <a:endParaRPr lang="en-US" dirty="0"/>
-          </a:p>
-        </p:txBody>
-      </p:sp>
-      <p:sp>
-        <p:nvSpPr>
-          <p:cNvPr id="4" name="Slide Number Placeholder 3"/>
-          <p:cNvSpPr>
-            <a:spLocks noGrp="1"/>
-          </p:cNvSpPr>
-          <p:nvPr>
-            <p:ph type="sldNum" sz="quarter" idx="12"/>
-          </p:nvPr>
-        </p:nvSpPr>
-        <p:spPr/>
-        <p:txBody>
-          <a:bodyPr/>
-          <a:lstStyle/>
-          <a:p>
-            <a:fld id="{727B4C2D-45E2-4621-8491-2995EB46A674}" type="slidenum">
-              <a:rPr lang="en-US" smtClean="0"/>
-              <a:pPr/>
-              <a:t>16</a:t>
             </a:fld>
             <a:endParaRPr lang="en-US" dirty="0"/>
           </a:p>
@@ -14536,7 +14167,7 @@
 </p:sld>
 </file>
 
-<file path=ppt/slides/slide17.xml><?xml version="1.0" encoding="utf-8"?>
+<file path=ppt/slides/slide16.xml><?xml version="1.0" encoding="utf-8"?>
 <p:sld xmlns:a="http://schemas.openxmlformats.org/drawingml/2006/main" xmlns:r="http://schemas.openxmlformats.org/officeDocument/2006/relationships" xmlns:p="http://schemas.openxmlformats.org/presentationml/2006/main">
   <p:cSld>
     <p:spTree>
@@ -14628,7 +14259,7 @@
             <a:fld id="{727B4C2D-45E2-4621-8491-2995EB46A674}" type="slidenum">
               <a:rPr lang="en-US" smtClean="0"/>
               <a:pPr/>
-              <a:t>17</a:t>
+              <a:t>16</a:t>
             </a:fld>
             <a:endParaRPr lang="en-US" dirty="0"/>
           </a:p>
@@ -14680,7 +14311,7 @@
 </p:sld>
 </file>
 
-<file path=ppt/slides/slide18.xml><?xml version="1.0" encoding="utf-8"?>
+<file path=ppt/slides/slide17.xml><?xml version="1.0" encoding="utf-8"?>
 <p:sld xmlns:a="http://schemas.openxmlformats.org/drawingml/2006/main" xmlns:r="http://schemas.openxmlformats.org/officeDocument/2006/relationships" xmlns:p="http://schemas.openxmlformats.org/presentationml/2006/main">
   <p:cSld>
     <p:spTree>
@@ -14779,7 +14410,7 @@
             <a:fld id="{727B4C2D-45E2-4621-8491-2995EB46A674}" type="slidenum">
               <a:rPr lang="en-US" smtClean="0"/>
               <a:pPr/>
-              <a:t>18</a:t>
+              <a:t>17</a:t>
             </a:fld>
             <a:endParaRPr lang="en-US" dirty="0"/>
           </a:p>
@@ -14831,7 +14462,7 @@
 </p:sld>
 </file>
 
-<file path=ppt/slides/slide19.xml><?xml version="1.0" encoding="utf-8"?>
+<file path=ppt/slides/slide18.xml><?xml version="1.0" encoding="utf-8"?>
 <p:sld xmlns:a="http://schemas.openxmlformats.org/drawingml/2006/main" xmlns:r="http://schemas.openxmlformats.org/officeDocument/2006/relationships" xmlns:p="http://schemas.openxmlformats.org/presentationml/2006/main">
   <p:cSld>
     <p:spTree>
@@ -14927,7 +14558,7 @@
             <a:fld id="{727B4C2D-45E2-4621-8491-2995EB46A674}" type="slidenum">
               <a:rPr lang="en-US" smtClean="0"/>
               <a:pPr/>
-              <a:t>19</a:t>
+              <a:t>18</a:t>
             </a:fld>
             <a:endParaRPr lang="en-US" dirty="0"/>
           </a:p>
@@ -14979,6 +14610,95 @@
 </p:sld>
 </file>
 
+<file path=ppt/slides/slide19.xml><?xml version="1.0" encoding="utf-8"?>
+<p:sld xmlns:a="http://schemas.openxmlformats.org/drawingml/2006/main" xmlns:r="http://schemas.openxmlformats.org/officeDocument/2006/relationships" xmlns:p="http://schemas.openxmlformats.org/presentationml/2006/main">
+  <p:cSld>
+    <p:spTree>
+      <p:nvGrpSpPr>
+        <p:cNvPr id="1" name=""/>
+        <p:cNvGrpSpPr/>
+        <p:nvPr/>
+      </p:nvGrpSpPr>
+      <p:grpSpPr>
+        <a:xfrm>
+          <a:off x="0" y="0"/>
+          <a:ext cx="0" cy="0"/>
+          <a:chOff x="0" y="0"/>
+          <a:chExt cx="0" cy="0"/>
+        </a:xfrm>
+      </p:grpSpPr>
+      <p:sp>
+        <p:nvSpPr>
+          <p:cNvPr id="4" name="Subtitle 3"/>
+          <p:cNvSpPr>
+            <a:spLocks noGrp="1"/>
+          </p:cNvSpPr>
+          <p:nvPr>
+            <p:ph type="subTitle" idx="1"/>
+          </p:nvPr>
+        </p:nvSpPr>
+        <p:spPr/>
+        <p:txBody>
+          <a:bodyPr/>
+          <a:lstStyle/>
+          <a:p>
+            <a:r>
+              <a:rPr lang="en-US" dirty="0" smtClean="0"/>
+              <a:t>File Operations with REST</a:t>
+            </a:r>
+            <a:endParaRPr lang="en-US" dirty="0"/>
+          </a:p>
+        </p:txBody>
+      </p:sp>
+      <p:sp>
+        <p:nvSpPr>
+          <p:cNvPr id="2" name="Text Placeholder 1"/>
+          <p:cNvSpPr>
+            <a:spLocks noGrp="1"/>
+          </p:cNvSpPr>
+          <p:nvPr>
+            <p:ph type="body" sz="quarter" idx="10"/>
+          </p:nvPr>
+        </p:nvSpPr>
+        <p:spPr/>
+        <p:txBody>
+          <a:bodyPr/>
+          <a:lstStyle/>
+          <a:p>
+            <a:pPr marL="0" indent="0">
+              <a:buNone/>
+            </a:pPr>
+            <a:r>
+              <a:rPr lang="en-US" dirty="0" smtClean="0"/>
+              <a:t>demo</a:t>
+            </a:r>
+            <a:endParaRPr lang="en-US" dirty="0"/>
+          </a:p>
+        </p:txBody>
+      </p:sp>
+    </p:spTree>
+    <p:extLst>
+      <p:ext uri="{BB962C8B-B14F-4D97-AF65-F5344CB8AC3E}">
+        <p14:creationId xmlns:p14="http://schemas.microsoft.com/office/powerpoint/2010/main" val="3435347101"/>
+      </p:ext>
+    </p:extLst>
+  </p:cSld>
+  <p:clrMapOvr>
+    <a:masterClrMapping/>
+  </p:clrMapOvr>
+  <p:transition>
+    <p:fade/>
+  </p:transition>
+  <p:timing>
+    <p:tnLst>
+      <p:par>
+        <p:cTn id="1" dur="indefinite" restart="never" nodeType="tmRoot"/>
+      </p:par>
+    </p:tnLst>
+  </p:timing>
+</p:sld>
+</file>
+
 <file path=ppt/slides/slide2.xml><?xml version="1.0" encoding="utf-8"?>
 <p:sld xmlns:a="http://schemas.openxmlformats.org/drawingml/2006/main" xmlns:r="http://schemas.openxmlformats.org/officeDocument/2006/relationships" xmlns:p="http://schemas.openxmlformats.org/presentationml/2006/main">
   <p:cSld>
@@ -15048,7 +14768,7 @@
                 <a:gridCol w="11225057">
                   <a:extLst>
                     <a:ext uri="{9D8B030D-6E8A-4147-A177-3AD203B41FA5}">
-                      <a16:colId xmlns:a16="http://schemas.microsoft.com/office/drawing/2014/main" xmlns="" val="1253488153"/>
+                      <a16:colId xmlns="" xmlns:a16="http://schemas.microsoft.com/office/drawing/2014/main" val="1253488153"/>
                     </a:ext>
                   </a:extLst>
                 </a:gridCol>
@@ -15070,7 +14790,7 @@
                 </a:tc>
                 <a:extLst>
                   <a:ext uri="{0D108BD9-81ED-4DB2-BD59-A6C34878D82A}">
-                    <a16:rowId xmlns:a16="http://schemas.microsoft.com/office/drawing/2014/main" xmlns="" val="829859176"/>
+                    <a16:rowId xmlns="" xmlns:a16="http://schemas.microsoft.com/office/drawing/2014/main" val="829859176"/>
                   </a:ext>
                 </a:extLst>
               </a:tr>
@@ -15091,7 +14811,7 @@
                 </a:tc>
                 <a:extLst>
                   <a:ext uri="{0D108BD9-81ED-4DB2-BD59-A6C34878D82A}">
-                    <a16:rowId xmlns:a16="http://schemas.microsoft.com/office/drawing/2014/main" xmlns="" val="1946132611"/>
+                    <a16:rowId xmlns="" xmlns:a16="http://schemas.microsoft.com/office/drawing/2014/main" val="1946132611"/>
                   </a:ext>
                 </a:extLst>
               </a:tr>
@@ -15133,7 +14853,7 @@
                 </a:tc>
                 <a:extLst>
                   <a:ext uri="{0D108BD9-81ED-4DB2-BD59-A6C34878D82A}">
-                    <a16:rowId xmlns:a16="http://schemas.microsoft.com/office/drawing/2014/main" xmlns="" val="3204002662"/>
+                    <a16:rowId xmlns="" xmlns:a16="http://schemas.microsoft.com/office/drawing/2014/main" val="3204002662"/>
                   </a:ext>
                 </a:extLst>
               </a:tr>
@@ -15170,7 +14890,7 @@
                 </a:tc>
                 <a:extLst>
                   <a:ext uri="{0D108BD9-81ED-4DB2-BD59-A6C34878D82A}">
-                    <a16:rowId xmlns:a16="http://schemas.microsoft.com/office/drawing/2014/main" xmlns="" val="4266278162"/>
+                    <a16:rowId xmlns="" xmlns:a16="http://schemas.microsoft.com/office/drawing/2014/main" val="4266278162"/>
                   </a:ext>
                 </a:extLst>
               </a:tr>
@@ -15356,95 +15076,6 @@
       </p:grpSpPr>
       <p:sp>
         <p:nvSpPr>
-          <p:cNvPr id="4" name="Subtitle 3"/>
-          <p:cNvSpPr>
-            <a:spLocks noGrp="1"/>
-          </p:cNvSpPr>
-          <p:nvPr>
-            <p:ph type="subTitle" idx="1"/>
-          </p:nvPr>
-        </p:nvSpPr>
-        <p:spPr/>
-        <p:txBody>
-          <a:bodyPr/>
-          <a:lstStyle/>
-          <a:p>
-            <a:r>
-              <a:rPr lang="en-US" dirty="0" smtClean="0"/>
-              <a:t>File Operations with REST</a:t>
-            </a:r>
-            <a:endParaRPr lang="en-US" dirty="0"/>
-          </a:p>
-        </p:txBody>
-      </p:sp>
-      <p:sp>
-        <p:nvSpPr>
-          <p:cNvPr id="2" name="Text Placeholder 1"/>
-          <p:cNvSpPr>
-            <a:spLocks noGrp="1"/>
-          </p:cNvSpPr>
-          <p:nvPr>
-            <p:ph type="body" sz="quarter" idx="10"/>
-          </p:nvPr>
-        </p:nvSpPr>
-        <p:spPr/>
-        <p:txBody>
-          <a:bodyPr/>
-          <a:lstStyle/>
-          <a:p>
-            <a:pPr marL="0" indent="0">
-              <a:buNone/>
-            </a:pPr>
-            <a:r>
-              <a:rPr lang="en-US" dirty="0" smtClean="0"/>
-              <a:t>demo</a:t>
-            </a:r>
-            <a:endParaRPr lang="en-US" dirty="0"/>
-          </a:p>
-        </p:txBody>
-      </p:sp>
-    </p:spTree>
-    <p:extLst>
-      <p:ext uri="{BB962C8B-B14F-4D97-AF65-F5344CB8AC3E}">
-        <p14:creationId xmlns:p14="http://schemas.microsoft.com/office/powerpoint/2010/main" val="3435347101"/>
-      </p:ext>
-    </p:extLst>
-  </p:cSld>
-  <p:clrMapOvr>
-    <a:masterClrMapping/>
-  </p:clrMapOvr>
-  <p:transition>
-    <p:fade/>
-  </p:transition>
-  <p:timing>
-    <p:tnLst>
-      <p:par>
-        <p:cTn id="1" dur="indefinite" restart="never" nodeType="tmRoot"/>
-      </p:par>
-    </p:tnLst>
-  </p:timing>
-</p:sld>
-</file>
-
-<file path=ppt/slides/slide21.xml><?xml version="1.0" encoding="utf-8"?>
-<p:sld xmlns:a="http://schemas.openxmlformats.org/drawingml/2006/main" xmlns:r="http://schemas.openxmlformats.org/officeDocument/2006/relationships" xmlns:p="http://schemas.openxmlformats.org/presentationml/2006/main">
-  <p:cSld>
-    <p:spTree>
-      <p:nvGrpSpPr>
-        <p:cNvPr id="1" name=""/>
-        <p:cNvGrpSpPr/>
-        <p:nvPr/>
-      </p:nvGrpSpPr>
-      <p:grpSpPr>
-        <a:xfrm>
-          <a:off x="0" y="0"/>
-          <a:ext cx="0" cy="0"/>
-          <a:chOff x="0" y="0"/>
-          <a:chExt cx="0" cy="0"/>
-        </a:xfrm>
-      </p:grpSpPr>
-      <p:sp>
-        <p:nvSpPr>
           <p:cNvPr id="2" name="Text Placeholder 1"/>
           <p:cNvSpPr>
             <a:spLocks noGrp="1"/>
@@ -15583,7 +15214,7 @@
 </p:sld>
 </file>
 
-<file path=ppt/slides/slide22.xml><?xml version="1.0" encoding="utf-8"?>
+<file path=ppt/slides/slide21.xml><?xml version="1.0" encoding="utf-8"?>
 <p:sld xmlns:a="http://schemas.openxmlformats.org/drawingml/2006/main" xmlns:r="http://schemas.openxmlformats.org/officeDocument/2006/relationships" xmlns:p="http://schemas.openxmlformats.org/presentationml/2006/main">
   <p:cSld>
     <p:spTree>
@@ -17932,21 +17563,6 @@
 </file>
 
 <file path=customXml/item1.xml><?xml version="1.0" encoding="utf-8"?>
-<?mso-contentType ?>
-<FormTemplates xmlns="http://schemas.microsoft.com/sharepoint/v3/contenttype/forms">
-  <Display>DocumentLibraryForm</Display>
-  <Edit>DocumentLibraryForm</Edit>
-  <New>DocumentLibraryForm</New>
-</FormTemplates>
-</file>
-
-<file path=customXml/item2.xml><?xml version="1.0" encoding="utf-8"?>
-<p:properties xmlns:p="http://schemas.microsoft.com/office/2006/metadata/properties" xmlns:xsi="http://www.w3.org/2001/XMLSchema-instance" xmlns:pc="http://schemas.microsoft.com/office/infopath/2007/PartnerControls">
-  <documentManagement/>
-</p:properties>
-</file>
-
-<file path=customXml/item3.xml><?xml version="1.0" encoding="utf-8"?>
 <ct:contentTypeSchema xmlns:ct="http://schemas.microsoft.com/office/2006/metadata/contentType" xmlns:ma="http://schemas.microsoft.com/office/2006/metadata/properties/metaAttributes" ct:_="" ma:_="" ma:contentTypeName="Document" ma:contentTypeID="0x010100A2E4C90AA7333249A7DBC8CC6F49919B" ma:contentTypeVersion="1" ma:contentTypeDescription="Create a new document." ma:contentTypeScope="" ma:versionID="e7b09f0f38d7ed30c7da14951e97abcc">
   <xsd:schema xmlns:xsd="http://www.w3.org/2001/XMLSchema" xmlns:xs="http://www.w3.org/2001/XMLSchema" xmlns:p="http://schemas.microsoft.com/office/2006/metadata/properties" xmlns:ns2="5fad15d0-477e-40da-a20d-40d4ca777cbd" targetNamespace="http://schemas.microsoft.com/office/2006/metadata/properties" ma:root="true" ma:fieldsID="0cee24db179c30c5ebec40b677cadf70" ns2:_="">
     <xsd:import namespace="5fad15d0-477e-40da-a20d-40d4ca777cbd"/>
@@ -18086,10 +17702,35 @@
 </ct:contentTypeSchema>
 </file>
 
+<file path=customXml/item2.xml><?xml version="1.0" encoding="utf-8"?>
+<p:properties xmlns:p="http://schemas.microsoft.com/office/2006/metadata/properties" xmlns:xsi="http://www.w3.org/2001/XMLSchema-instance" xmlns:pc="http://schemas.microsoft.com/office/infopath/2007/PartnerControls">
+  <documentManagement/>
+</p:properties>
+</file>
+
+<file path=customXml/item3.xml><?xml version="1.0" encoding="utf-8"?>
+<?mso-contentType ?>
+<FormTemplates xmlns="http://schemas.microsoft.com/sharepoint/v3/contenttype/forms">
+  <Display>DocumentLibraryForm</Display>
+  <Edit>DocumentLibraryForm</Edit>
+  <New>DocumentLibraryForm</New>
+</FormTemplates>
+</file>
+
 <file path=customXml/itemProps1.xml><?xml version="1.0" encoding="utf-8"?>
-<ds:datastoreItem xmlns:ds="http://schemas.openxmlformats.org/officeDocument/2006/customXml" ds:itemID="{E1E0CE18-CA03-4891-9CD8-3448778E3D53}">
+<ds:datastoreItem xmlns:ds="http://schemas.openxmlformats.org/officeDocument/2006/customXml" ds:itemID="{F17DCE38-6787-497B-B958-75817420EB1E}">
   <ds:schemaRefs>
-    <ds:schemaRef ds:uri="http://schemas.microsoft.com/sharepoint/v3/contenttype/forms"/>
+    <ds:schemaRef ds:uri="http://schemas.microsoft.com/office/2006/metadata/contentType"/>
+    <ds:schemaRef ds:uri="http://schemas.microsoft.com/office/2006/metadata/properties/metaAttributes"/>
+    <ds:schemaRef ds:uri="http://www.w3.org/2001/XMLSchema"/>
+    <ds:schemaRef ds:uri="http://schemas.microsoft.com/office/2006/metadata/properties"/>
+    <ds:schemaRef ds:uri="5fad15d0-477e-40da-a20d-40d4ca777cbd"/>
+    <ds:schemaRef ds:uri="http://schemas.microsoft.com/office/2006/documentManagement/types"/>
+    <ds:schemaRef ds:uri="http://schemas.microsoft.com/office/infopath/2007/PartnerControls"/>
+    <ds:schemaRef ds:uri="http://schemas.openxmlformats.org/package/2006/metadata/core-properties"/>
+    <ds:schemaRef ds:uri="http://purl.org/dc/elements/1.1/"/>
+    <ds:schemaRef ds:uri="http://purl.org/dc/terms/"/>
+    <ds:schemaRef ds:uri="http://schemas.microsoft.com/internal/obd"/>
   </ds:schemaRefs>
 </ds:datastoreItem>
 </file>
@@ -18111,19 +17752,9 @@
 </file>
 
 <file path=customXml/itemProps3.xml><?xml version="1.0" encoding="utf-8"?>
-<ds:datastoreItem xmlns:ds="http://schemas.openxmlformats.org/officeDocument/2006/customXml" ds:itemID="{F17DCE38-6787-497B-B958-75817420EB1E}">
+<ds:datastoreItem xmlns:ds="http://schemas.openxmlformats.org/officeDocument/2006/customXml" ds:itemID="{E1E0CE18-CA03-4891-9CD8-3448778E3D53}">
   <ds:schemaRefs>
-    <ds:schemaRef ds:uri="http://schemas.microsoft.com/office/2006/metadata/contentType"/>
-    <ds:schemaRef ds:uri="http://schemas.microsoft.com/office/2006/metadata/properties/metaAttributes"/>
-    <ds:schemaRef ds:uri="http://www.w3.org/2001/XMLSchema"/>
-    <ds:schemaRef ds:uri="http://schemas.microsoft.com/office/2006/metadata/properties"/>
-    <ds:schemaRef ds:uri="5fad15d0-477e-40da-a20d-40d4ca777cbd"/>
-    <ds:schemaRef ds:uri="http://schemas.microsoft.com/office/2006/documentManagement/types"/>
-    <ds:schemaRef ds:uri="http://schemas.microsoft.com/office/infopath/2007/PartnerControls"/>
-    <ds:schemaRef ds:uri="http://schemas.openxmlformats.org/package/2006/metadata/core-properties"/>
-    <ds:schemaRef ds:uri="http://purl.org/dc/elements/1.1/"/>
-    <ds:schemaRef ds:uri="http://purl.org/dc/terms/"/>
-    <ds:schemaRef ds:uri="http://schemas.microsoft.com/internal/obd"/>
+    <ds:schemaRef ds:uri="http://schemas.microsoft.com/sharepoint/v3/contenttype/forms"/>
   </ds:schemaRefs>
 </ds:datastoreItem>
 </file>
--- a/O3653-4 Deep Dive into Office 365 APIs for SharePoint Site services/O3653-4 Deep Dive into Office 365 APIs for SharePoint Site services.pptx
+++ b/O3653-4 Deep Dive into Office 365 APIs for SharePoint Site services/O3653-4 Deep Dive into Office 365 APIs for SharePoint Site services.pptx
@@ -340,7 +340,7 @@
           <a:p>
             <a:fld id="{DE219B1A-AE41-483B-A766-69B9363DDA6A}" type="datetimeFigureOut">
               <a:rPr lang="en-US" smtClean="0"/>
-              <a:t>10/3/2014</a:t>
+              <a:t>10/5/2014</a:t>
             </a:fld>
             <a:endParaRPr lang="en-US"/>
           </a:p>
@@ -622,7 +622,7 @@
           <a:p>
             <a:fld id="{D51B1278-D92B-4AF3-A9C1-71DD298190CE}" type="datetimeFigureOut">
               <a:rPr lang="en-US" smtClean="0"/>
-              <a:t>10/3/2014</a:t>
+              <a:t>10/5/2014</a:t>
             </a:fld>
             <a:endParaRPr lang="en-US"/>
           </a:p>
@@ -1257,7 +1257,7 @@
           <a:p>
             <a:fld id="{B079C3B8-7366-4A44-A34B-3977080C19E7}" type="datetime1">
               <a:rPr lang="en-US" smtClean="0"/>
-              <a:t>10/3/2014</a:t>
+              <a:t>10/5/2014</a:t>
             </a:fld>
             <a:endParaRPr lang="en-US" dirty="0"/>
           </a:p>
@@ -1398,7 +1398,7 @@
                 </a:solidFill>
               </a:rPr>
               <a:pPr/>
-              <a:t>10/3/2014</a:t>
+              <a:t>10/5/2014</a:t>
             </a:fld>
             <a:endParaRPr lang="en-US" dirty="0">
               <a:solidFill>
@@ -1594,7 +1594,7 @@
           <a:p>
             <a:fld id="{E74353ED-ACB2-44BF-A903-985B0AF962B7}" type="datetime1">
               <a:rPr lang="en-US" smtClean="0"/>
-              <a:t>10/3/2014</a:t>
+              <a:t>10/5/2014</a:t>
             </a:fld>
             <a:endParaRPr lang="en-US" dirty="0"/>
           </a:p>
@@ -1813,7 +1813,7 @@
           <a:p>
             <a:fld id="{0BB6559B-C68D-49B4-97AE-9BB74C417927}" type="datetime1">
               <a:rPr lang="en-US" smtClean="0"/>
-              <a:t>10/3/2014</a:t>
+              <a:t>10/5/2014</a:t>
             </a:fld>
             <a:endParaRPr lang="en-US"/>
           </a:p>
@@ -1974,7 +1974,7 @@
           <a:p>
             <a:fld id="{B079C3B8-7366-4A44-A34B-3977080C19E7}" type="datetime1">
               <a:rPr lang="en-US" smtClean="0"/>
-              <a:t>10/3/2014</a:t>
+              <a:t>10/5/2014</a:t>
             </a:fld>
             <a:endParaRPr lang="en-US" dirty="0"/>
           </a:p>
@@ -2127,7 +2127,7 @@
           <a:p>
             <a:fld id="{BD31152A-8F7C-408D-9061-F291D3F7D7A4}" type="datetime1">
               <a:rPr lang="en-US" smtClean="0"/>
-              <a:t>10/3/2014</a:t>
+              <a:t>10/5/2014</a:t>
             </a:fld>
             <a:endParaRPr lang="en-US"/>
           </a:p>
@@ -2337,7 +2337,7 @@
           <a:p>
             <a:fld id="{6559E235-6933-4AAE-8A0A-F0BAC5F37D5D}" type="datetime1">
               <a:rPr lang="en-US" smtClean="0"/>
-              <a:t>10/3/2014</a:t>
+              <a:t>10/5/2014</a:t>
             </a:fld>
             <a:endParaRPr lang="en-US"/>
           </a:p>
@@ -2559,7 +2559,7 @@
           <a:p>
             <a:fld id="{23FDFFE0-9E47-4B8C-842E-FA426FE218C8}" type="datetime1">
               <a:rPr lang="en-US" smtClean="0"/>
-              <a:t>10/3/2014</a:t>
+              <a:t>10/5/2014</a:t>
             </a:fld>
             <a:endParaRPr lang="en-US"/>
           </a:p>
@@ -2801,7 +2801,7 @@
           <a:p>
             <a:fld id="{8DACB9AA-B03F-4672-BD3F-07034206D49E}" type="datetime1">
               <a:rPr lang="en-US" smtClean="0"/>
-              <a:t>10/3/2014</a:t>
+              <a:t>10/5/2014</a:t>
             </a:fld>
             <a:endParaRPr lang="en-US"/>
           </a:p>
@@ -3023,7 +3023,7 @@
           <a:p>
             <a:fld id="{9F6C2A45-62A9-453C-B1A0-E9BD4232256A}" type="datetime1">
               <a:rPr lang="en-US" smtClean="0"/>
-              <a:t>10/3/2014</a:t>
+              <a:t>10/5/2014</a:t>
             </a:fld>
             <a:endParaRPr lang="en-US"/>
           </a:p>
@@ -3247,7 +3247,7 @@
           <a:p>
             <a:fld id="{5F4BE20B-7B75-4971-AE6D-9106933A5A3B}" type="datetime1">
               <a:rPr lang="en-US" smtClean="0"/>
-              <a:t>10/3/2014</a:t>
+              <a:t>10/5/2014</a:t>
             </a:fld>
             <a:endParaRPr lang="en-US"/>
           </a:p>
@@ -3453,7 +3453,7 @@
           <a:p>
             <a:fld id="{FA286CF7-BB83-4FDF-AC68-569118A3F32E}" type="datetime1">
               <a:rPr lang="en-US" smtClean="0"/>
-              <a:t>10/3/2014</a:t>
+              <a:t>10/5/2014</a:t>
             </a:fld>
             <a:endParaRPr lang="en-US"/>
           </a:p>
@@ -13726,7 +13726,6 @@
               <a:rPr lang="en-US" dirty="0"/>
               <a:t>October 2014</a:t>
             </a:r>
-            <a:endParaRPr lang="en-US" dirty="0"/>
           </a:p>
         </p:txBody>
       </p:sp>
@@ -13801,27 +13800,32 @@
           <a:p>
             <a:r>
               <a:rPr lang="en-US" dirty="0"/>
-              <a:t>Discovery Service discovers </a:t>
-            </a:r>
-            <a:r>
-              <a:rPr lang="en-US" dirty="0" smtClean="0"/>
-              <a:t>resource</a:t>
-            </a:r>
-            <a:endParaRPr lang="en-US" dirty="0"/>
-          </a:p>
-          <a:p>
-            <a:r>
-              <a:rPr lang="en-US" dirty="0" err="1" smtClean="0"/>
+              <a:t>Get an Access Token for the specific resource</a:t>
+            </a:r>
+          </a:p>
+          <a:p>
+            <a:r>
+              <a:rPr lang="en-US" dirty="0"/>
+              <a:t>Create </a:t>
+            </a:r>
+            <a:r>
+              <a:rPr lang="en-US" dirty="0" err="1"/>
+              <a:t>SharePointClient</a:t>
+            </a:r>
+            <a:r>
+              <a:rPr lang="en-US" dirty="0"/>
+              <a:t> instance</a:t>
+            </a:r>
+          </a:p>
+          <a:p>
+            <a:r>
+              <a:rPr lang="en-US" dirty="0" err="1"/>
               <a:t>SharePointClient.Files</a:t>
             </a:r>
             <a:r>
-              <a:rPr lang="en-US" dirty="0" smtClean="0"/>
+              <a:rPr lang="en-US" dirty="0"/>
               <a:t> abstracts Files API</a:t>
             </a:r>
-          </a:p>
-          <a:p>
-            <a:pPr lvl="1"/>
-            <a:endParaRPr lang="en-US" dirty="0"/>
           </a:p>
         </p:txBody>
       </p:sp>
@@ -13876,36 +13880,6 @@
           </a:p>
         </p:txBody>
       </p:sp>
-      <p:pic>
-        <p:nvPicPr>
-          <p:cNvPr id="7" name="Picture 6"/>
-          <p:cNvPicPr>
-            <a:picLocks noChangeAspect="1"/>
-          </p:cNvPicPr>
-          <p:nvPr/>
-        </p:nvPicPr>
-        <p:blipFill>
-          <a:blip r:embed="rId3">
-            <a:extLst>
-              <a:ext uri="{28A0092B-C50C-407E-A947-70E740481C1C}">
-                <a14:useLocalDpi xmlns:a14="http://schemas.microsoft.com/office/drawing/2010/main" val="0"/>
-              </a:ext>
-            </a:extLst>
-          </a:blip>
-          <a:stretch>
-            <a:fillRect/>
-          </a:stretch>
-        </p:blipFill>
-        <p:spPr>
-          <a:xfrm>
-            <a:off x="1336915" y="2746235"/>
-            <a:ext cx="7256752" cy="3513888"/>
-          </a:xfrm>
-          <a:prstGeom prst="rect">
-            <a:avLst/>
-          </a:prstGeom>
-        </p:spPr>
-      </p:pic>
     </p:spTree>
     <p:extLst>
       <p:ext uri="{BB962C8B-B14F-4D97-AF65-F5344CB8AC3E}">
@@ -14727,7 +14701,15 @@
           <a:p>
             <a:r>
               <a:rPr lang="en-US" dirty="0" smtClean="0"/>
-              <a:t>Create XML message with list item data</a:t>
+              <a:t>Create </a:t>
+            </a:r>
+            <a:r>
+              <a:rPr lang="en-US" dirty="0" smtClean="0"/>
+              <a:t>message </a:t>
+            </a:r>
+            <a:r>
+              <a:rPr lang="en-US" dirty="0" smtClean="0"/>
+              <a:t>with list item data</a:t>
             </a:r>
           </a:p>
           <a:p>
@@ -14871,7 +14853,15 @@
           <a:p>
             <a:r>
               <a:rPr lang="en-US" dirty="0"/>
-              <a:t>Create XML message with list item data</a:t>
+              <a:t>Create </a:t>
+            </a:r>
+            <a:r>
+              <a:rPr lang="en-US" dirty="0" smtClean="0"/>
+              <a:t>message </a:t>
+            </a:r>
+            <a:r>
+              <a:rPr lang="en-US" dirty="0"/>
+              <a:t>with list item data</a:t>
             </a:r>
           </a:p>
           <a:p>
@@ -16316,7 +16306,7 @@
                 <a:gridCol w="5760278">
                   <a:extLst>
                     <a:ext uri="{9D8B030D-6E8A-4147-A177-3AD203B41FA5}">
-                      <a16:colId xmlns:a16="http://schemas.microsoft.com/office/drawing/2014/main" val="1253488153"/>
+                      <a16:colId xmlns:a16="http://schemas.microsoft.com/office/drawing/2014/main" xmlns="" val="1253488153"/>
                     </a:ext>
                   </a:extLst>
                 </a:gridCol>
@@ -16342,7 +16332,7 @@
                 </a:tc>
                 <a:extLst>
                   <a:ext uri="{0D108BD9-81ED-4DB2-BD59-A6C34878D82A}">
-                    <a16:rowId xmlns:a16="http://schemas.microsoft.com/office/drawing/2014/main" val="829859176"/>
+                    <a16:rowId xmlns:a16="http://schemas.microsoft.com/office/drawing/2014/main" xmlns="" val="829859176"/>
                   </a:ext>
                 </a:extLst>
               </a:tr>
@@ -16354,11 +16344,7 @@
                     <a:p>
                       <a:r>
                         <a:rPr lang="en-US" sz="1800" b="0" dirty="0" smtClean="0"/>
-                        <a:t>Module 1: </a:t>
-                      </a:r>
-                      <a:r>
-                        <a:rPr lang="en-US" sz="1800" b="0" dirty="0" smtClean="0"/>
-                        <a:t>Introduction</a:t>
+                        <a:t>Module 1: Introduction</a:t>
                       </a:r>
                       <a:r>
                         <a:rPr lang="en-US" sz="1800" b="0" baseline="0" dirty="0" smtClean="0"/>
@@ -16371,7 +16357,7 @@
                 </a:tc>
                 <a:extLst>
                   <a:ext uri="{0D108BD9-81ED-4DB2-BD59-A6C34878D82A}">
-                    <a16:rowId xmlns:a16="http://schemas.microsoft.com/office/drawing/2014/main" val="1946132611"/>
+                    <a16:rowId xmlns:a16="http://schemas.microsoft.com/office/drawing/2014/main" xmlns="" val="1946132611"/>
                   </a:ext>
                 </a:extLst>
               </a:tr>
@@ -16404,11 +16390,7 @@
                       </a:r>
                       <a:r>
                         <a:rPr lang="en-US" sz="1800" b="0" baseline="0" dirty="0" smtClean="0"/>
-                        <a:t> </a:t>
-                      </a:r>
-                      <a:r>
-                        <a:rPr lang="en-US" sz="1800" b="0" baseline="0" dirty="0" smtClean="0"/>
-                        <a:t>Office</a:t>
+                        <a:t> Office</a:t>
                       </a:r>
                       <a:endParaRPr lang="en-US" sz="1800" b="0" dirty="0" smtClean="0"/>
                     </a:p>
@@ -16417,7 +16399,7 @@
                 </a:tc>
                 <a:extLst>
                   <a:ext uri="{0D108BD9-81ED-4DB2-BD59-A6C34878D82A}">
-                    <a16:rowId xmlns:a16="http://schemas.microsoft.com/office/drawing/2014/main" val="3204002662"/>
+                    <a16:rowId xmlns:a16="http://schemas.microsoft.com/office/drawing/2014/main" xmlns="" val="3204002662"/>
                   </a:ext>
                 </a:extLst>
               </a:tr>
@@ -16448,14 +16430,13 @@
                         <a:rPr lang="en-US" sz="1800" b="0" dirty="0" smtClean="0"/>
                         <a:t>Module 3: Getting started with Apps for SharePoint</a:t>
                       </a:r>
-                      <a:endParaRPr lang="en-US" sz="1800" b="0" dirty="0" smtClean="0"/>
                     </a:p>
                   </a:txBody>
                   <a:tcPr marL="67371" marR="67371" marT="33685" marB="33685" anchor="ctr"/>
                 </a:tc>
                 <a:extLst>
                   <a:ext uri="{0D108BD9-81ED-4DB2-BD59-A6C34878D82A}">
-                    <a16:rowId xmlns:a16="http://schemas.microsoft.com/office/drawing/2014/main" val="3774542436"/>
+                    <a16:rowId xmlns:a16="http://schemas.microsoft.com/office/drawing/2014/main" xmlns="" val="3774542436"/>
                   </a:ext>
                 </a:extLst>
               </a:tr>
@@ -16507,7 +16488,7 @@
                 </a:tc>
                 <a:extLst>
                   <a:ext uri="{0D108BD9-81ED-4DB2-BD59-A6C34878D82A}">
-                    <a16:rowId xmlns:a16="http://schemas.microsoft.com/office/drawing/2014/main" val="4266278162"/>
+                    <a16:rowId xmlns:a16="http://schemas.microsoft.com/office/drawing/2014/main" xmlns="" val="4266278162"/>
                   </a:ext>
                 </a:extLst>
               </a:tr>
@@ -16544,7 +16525,7 @@
                 </a:tc>
                 <a:extLst>
                   <a:ext uri="{0D108BD9-81ED-4DB2-BD59-A6C34878D82A}">
-                    <a16:rowId xmlns:a16="http://schemas.microsoft.com/office/drawing/2014/main" val="1208832343"/>
+                    <a16:rowId xmlns:a16="http://schemas.microsoft.com/office/drawing/2014/main" xmlns="" val="1208832343"/>
                   </a:ext>
                 </a:extLst>
               </a:tr>
@@ -20072,13 +20053,13 @@
   <p:clrMapOvr>
     <a:masterClrMapping/>
   </p:clrMapOvr>
-  <mc:AlternateContent xmlns:mc="http://schemas.openxmlformats.org/markup-compatibility/2006">
-    <mc:Choice xmlns:p14="http://schemas.microsoft.com/office/powerpoint/2010/main" Requires="p14">
+  <mc:AlternateContent xmlns:mc="http://schemas.openxmlformats.org/markup-compatibility/2006" xmlns:p14="http://schemas.microsoft.com/office/powerpoint/2010/main">
+    <mc:Choice Requires="p14">
       <p:transition spd="med" p14:dur="700">
         <p:fade/>
       </p:transition>
     </mc:Choice>
-    <mc:Fallback>
+    <mc:Fallback xmlns="">
       <p:transition spd="med">
         <p:fade/>
       </p:transition>
@@ -22532,41 +22513,8 @@
                 <a:latin typeface="Segoe UI Light" panose="020B0502040204020203" pitchFamily="34" charset="0"/>
                 <a:cs typeface="Segoe UI Light" panose="020B0502040204020203" pitchFamily="34" charset="0"/>
               </a:rPr>
-              <a:t>Explore our </a:t>
-            </a:r>
-            <a:r>
-              <a:rPr lang="en-US" sz="3528" dirty="0">
-                <a:gradFill>
-                  <a:gsLst>
-                    <a:gs pos="0">
-                      <a:srgbClr val="FFFFFF"/>
-                    </a:gs>
-                    <a:gs pos="100000">
-                      <a:srgbClr val="FFFFFF"/>
-                    </a:gs>
-                  </a:gsLst>
-                  <a:lin ang="5400000" scaled="1"/>
-                </a:gradFill>
-                <a:latin typeface="Segoe UI Light" panose="020B0502040204020203" pitchFamily="34" charset="0"/>
-                <a:cs typeface="Segoe UI Light" panose="020B0502040204020203" pitchFamily="34" charset="0"/>
-              </a:rPr>
-              <a:t>developer center</a:t>
-            </a:r>
-            <a:endParaRPr lang="en-US" sz="3528" dirty="0">
-              <a:gradFill>
-                <a:gsLst>
-                  <a:gs pos="0">
-                    <a:srgbClr val="FFFFFF"/>
-                  </a:gs>
-                  <a:gs pos="100000">
-                    <a:srgbClr val="FFFFFF"/>
-                  </a:gs>
-                </a:gsLst>
-                <a:lin ang="5400000" scaled="1"/>
-              </a:gradFill>
-              <a:latin typeface="Segoe UI Light" panose="020B0502040204020203" pitchFamily="34" charset="0"/>
-              <a:cs typeface="Segoe UI Light" panose="020B0502040204020203" pitchFamily="34" charset="0"/>
-            </a:endParaRPr>
+              <a:t>Explore our developer center</a:t>
+            </a:r>
           </a:p>
           <a:p>
             <a:pPr marL="51309" lvl="1" defTabSz="565990"/>
@@ -22924,39 +22872,8 @@
                 </a:gradFill>
                 <a:cs typeface="Segoe UI" panose="020B0502040204020203" pitchFamily="34" charset="0"/>
               </a:rPr>
-              <a:t>http</a:t>
-            </a:r>
-            <a:r>
-              <a:rPr lang="en-US" sz="1764" dirty="0">
-                <a:gradFill>
-                  <a:gsLst>
-                    <a:gs pos="0">
-                      <a:srgbClr val="FFFFFF"/>
-                    </a:gs>
-                    <a:gs pos="100000">
-                      <a:srgbClr val="FFFFFF"/>
-                    </a:gs>
-                  </a:gsLst>
-                  <a:lin ang="5400000" scaled="1"/>
-                </a:gradFill>
-                <a:cs typeface="Segoe UI" panose="020B0502040204020203" pitchFamily="34" charset="0"/>
-              </a:rPr>
-              <a:t>://dev.office.com/code-samples</a:t>
-            </a:r>
-            <a:endParaRPr lang="en-US" sz="1764" dirty="0">
-              <a:gradFill>
-                <a:gsLst>
-                  <a:gs pos="0">
-                    <a:srgbClr val="FFFFFF"/>
-                  </a:gs>
-                  <a:gs pos="100000">
-                    <a:srgbClr val="FFFFFF"/>
-                  </a:gs>
-                </a:gsLst>
-                <a:lin ang="5400000" scaled="1"/>
-              </a:gradFill>
-              <a:cs typeface="Segoe UI" panose="020B0502040204020203" pitchFamily="34" charset="0"/>
-            </a:endParaRPr>
+              <a:t>http://dev.office.com/code-samples</a:t>
+            </a:r>
           </a:p>
         </p:txBody>
       </p:sp>
@@ -23666,24 +23583,6 @@
               </a:rPr>
               <a:t>Jumpstart into our training</a:t>
             </a:r>
-            <a:r>
-              <a:rPr lang="en-US" sz="3528" dirty="0">
-                <a:gradFill>
-                  <a:gsLst>
-                    <a:gs pos="0">
-                      <a:srgbClr val="FFFFFF"/>
-                    </a:gs>
-                    <a:gs pos="100000">
-                      <a:srgbClr val="FFFFFF"/>
-                    </a:gs>
-                  </a:gsLst>
-                  <a:lin ang="5400000" scaled="1"/>
-                </a:gradFill>
-                <a:latin typeface="Segoe UI Light" panose="020B0502040204020203" pitchFamily="34" charset="0"/>
-                <a:cs typeface="Segoe UI Light" panose="020B0502040204020203" pitchFamily="34" charset="0"/>
-              </a:rPr>
-              <a:t/>
-            </a:r>
             <a:br>
               <a:rPr lang="en-US" sz="3528" dirty="0">
                 <a:gradFill>
@@ -23716,39 +23615,8 @@
                 </a:gradFill>
                 <a:cs typeface="Segoe UI" panose="020B0502040204020203" pitchFamily="34" charset="0"/>
               </a:rPr>
-              <a:t>http</a:t>
-            </a:r>
-            <a:r>
-              <a:rPr lang="en-US" sz="1764" dirty="0">
-                <a:gradFill>
-                  <a:gsLst>
-                    <a:gs pos="0">
-                      <a:srgbClr val="FFFFFF"/>
-                    </a:gs>
-                    <a:gs pos="100000">
-                      <a:srgbClr val="FFFFFF"/>
-                    </a:gs>
-                  </a:gsLst>
-                  <a:lin ang="5400000" scaled="1"/>
-                </a:gradFill>
-                <a:cs typeface="Segoe UI" panose="020B0502040204020203" pitchFamily="34" charset="0"/>
-              </a:rPr>
-              <a:t>://dev.office.com/training</a:t>
-            </a:r>
-            <a:endParaRPr lang="en-US" sz="1764" dirty="0">
-              <a:gradFill>
-                <a:gsLst>
-                  <a:gs pos="0">
-                    <a:srgbClr val="FFFFFF"/>
-                  </a:gs>
-                  <a:gs pos="100000">
-                    <a:srgbClr val="FFFFFF"/>
-                  </a:gs>
-                </a:gsLst>
-                <a:lin ang="5400000" scaled="1"/>
-              </a:gradFill>
-              <a:cs typeface="Segoe UI" panose="020B0502040204020203" pitchFamily="34" charset="0"/>
-            </a:endParaRPr>
+              <a:t>http://dev.office.com/training</a:t>
+            </a:r>
           </a:p>
         </p:txBody>
       </p:sp>
@@ -23762,13 +23630,13 @@
   <p:clrMapOvr>
     <a:masterClrMapping/>
   </p:clrMapOvr>
-  <mc:AlternateContent xmlns:mc="http://schemas.openxmlformats.org/markup-compatibility/2006">
-    <mc:Choice xmlns:p14="http://schemas.microsoft.com/office/powerpoint/2010/main" Requires="p14">
+  <mc:AlternateContent xmlns:mc="http://schemas.openxmlformats.org/markup-compatibility/2006" xmlns:p14="http://schemas.microsoft.com/office/powerpoint/2010/main">
+    <mc:Choice Requires="p14">
       <p:transition spd="slow" p14:dur="1250">
         <p14:flip dir="r"/>
       </p:transition>
     </mc:Choice>
-    <mc:Fallback>
+    <mc:Fallback xmlns="">
       <p:transition spd="slow">
         <p:fade/>
       </p:transition>
@@ -24648,24 +24516,7 @@
                 </a:gradFill>
                 <a:cs typeface="Segoe UI" panose="020B0502040204020203" pitchFamily="34" charset="0"/>
               </a:rPr>
-              <a:t>Providing </a:t>
-            </a:r>
-            <a:r>
-              <a:rPr lang="en-US" sz="1958" dirty="0">
-                <a:gradFill>
-                  <a:gsLst>
-                    <a:gs pos="0">
-                      <a:srgbClr val="FFFFFF"/>
-                    </a:gs>
-                    <a:gs pos="100000">
-                      <a:srgbClr val="FFFFFF"/>
-                    </a:gs>
-                  </a:gsLst>
-                  <a:lin ang="5400000" scaled="1"/>
-                </a:gradFill>
-                <a:cs typeface="Segoe UI" panose="020B0502040204020203" pitchFamily="34" charset="0"/>
-              </a:rPr>
-              <a:t>App Model Patterns for common </a:t>
+              <a:t>Providing App Model Patterns for common </a:t>
             </a:r>
             <a:br>
               <a:rPr lang="en-US" sz="1958" dirty="0">
@@ -24736,25 +24587,7 @@
                 <a:latin typeface="Segoe UI Light" panose="020B0502040204020203" pitchFamily="34" charset="0"/>
                 <a:cs typeface="Segoe UI Light" panose="020B0502040204020203" pitchFamily="34" charset="0"/>
               </a:rPr>
-              <a:t>60</a:t>
-            </a:r>
-            <a:r>
-              <a:rPr lang="en-US" sz="3916" dirty="0">
-                <a:gradFill>
-                  <a:gsLst>
-                    <a:gs pos="0">
-                      <a:srgbClr val="FFFFFF"/>
-                    </a:gs>
-                    <a:gs pos="100000">
-                      <a:srgbClr val="FFFFFF"/>
-                    </a:gs>
-                  </a:gsLst>
-                  <a:lin ang="5400000" scaled="1"/>
-                </a:gradFill>
-                <a:latin typeface="Segoe UI Light" panose="020B0502040204020203" pitchFamily="34" charset="0"/>
-                <a:cs typeface="Segoe UI Light" panose="020B0502040204020203" pitchFamily="34" charset="0"/>
-              </a:rPr>
-              <a:t>+ Visual Studio projects</a:t>
+              <a:t>60+ Visual Studio projects</a:t>
             </a:r>
             <a:br>
               <a:rPr lang="en-US" sz="3916" dirty="0">
@@ -25336,13 +25169,13 @@
   <p:clrMapOvr>
     <a:masterClrMapping/>
   </p:clrMapOvr>
-  <mc:AlternateContent xmlns:mc="http://schemas.openxmlformats.org/markup-compatibility/2006">
-    <mc:Choice xmlns:p14="http://schemas.microsoft.com/office/powerpoint/2010/main" Requires="p14">
+  <mc:AlternateContent xmlns:mc="http://schemas.openxmlformats.org/markup-compatibility/2006" xmlns:p14="http://schemas.microsoft.com/office/powerpoint/2010/main">
+    <mc:Choice Requires="p14">
       <p:transition spd="slow" p14:dur="1250">
         <p14:flip dir="l"/>
       </p:transition>
     </mc:Choice>
-    <mc:Fallback>
+    <mc:Fallback xmlns="">
       <p:transition spd="slow">
         <p:fade/>
       </p:transition>
@@ -25875,21 +25708,6 @@
                 </a:rPr>
                 <a:t>Aug</a:t>
               </a:r>
-              <a:endParaRPr lang="en-US" sz="1960" dirty="0">
-                <a:gradFill>
-                  <a:gsLst>
-                    <a:gs pos="0">
-                      <a:schemeClr val="tx1"/>
-                    </a:gs>
-                    <a:gs pos="100000">
-                      <a:schemeClr val="tx1"/>
-                    </a:gs>
-                  </a:gsLst>
-                  <a:lin ang="5400000" scaled="0"/>
-                </a:gradFill>
-                <a:latin typeface="Segoe UI" panose="020B0502040204020203" pitchFamily="34" charset="0"/>
-                <a:cs typeface="Segoe UI" panose="020B0502040204020203" pitchFamily="34" charset="0"/>
-              </a:endParaRPr>
             </a:p>
           </p:txBody>
         </p:sp>
@@ -25951,21 +25769,6 @@
                 </a:rPr>
                 <a:t>Sept</a:t>
               </a:r>
-              <a:endParaRPr lang="en-US" sz="1960" dirty="0">
-                <a:gradFill>
-                  <a:gsLst>
-                    <a:gs pos="0">
-                      <a:schemeClr val="tx1"/>
-                    </a:gs>
-                    <a:gs pos="100000">
-                      <a:schemeClr val="tx1"/>
-                    </a:gs>
-                  </a:gsLst>
-                  <a:lin ang="5400000" scaled="0"/>
-                </a:gradFill>
-                <a:latin typeface="Segoe UI" panose="020B0502040204020203" pitchFamily="34" charset="0"/>
-                <a:cs typeface="Segoe UI" panose="020B0502040204020203" pitchFamily="34" charset="0"/>
-              </a:endParaRPr>
             </a:p>
           </p:txBody>
         </p:sp>
@@ -26027,21 +25830,6 @@
                 </a:rPr>
                 <a:t>Oct</a:t>
               </a:r>
-              <a:endParaRPr lang="en-US" sz="1960" dirty="0">
-                <a:gradFill>
-                  <a:gsLst>
-                    <a:gs pos="0">
-                      <a:schemeClr val="tx1"/>
-                    </a:gs>
-                    <a:gs pos="100000">
-                      <a:schemeClr val="tx1"/>
-                    </a:gs>
-                  </a:gsLst>
-                  <a:lin ang="5400000" scaled="0"/>
-                </a:gradFill>
-                <a:latin typeface="Segoe UI" panose="020B0502040204020203" pitchFamily="34" charset="0"/>
-                <a:cs typeface="Segoe UI" panose="020B0502040204020203" pitchFamily="34" charset="0"/>
-              </a:endParaRPr>
             </a:p>
           </p:txBody>
         </p:sp>
@@ -26422,21 +26210,6 @@
                 </a:rPr>
                 <a:t>Jan</a:t>
               </a:r>
-              <a:endParaRPr lang="en-US" sz="1960" dirty="0">
-                <a:gradFill>
-                  <a:gsLst>
-                    <a:gs pos="0">
-                      <a:schemeClr val="tx1"/>
-                    </a:gs>
-                    <a:gs pos="100000">
-                      <a:schemeClr val="tx1"/>
-                    </a:gs>
-                  </a:gsLst>
-                  <a:lin ang="5400000" scaled="0"/>
-                </a:gradFill>
-                <a:latin typeface="Segoe UI" panose="020B0502040204020203" pitchFamily="34" charset="0"/>
-                <a:cs typeface="Segoe UI" panose="020B0502040204020203" pitchFamily="34" charset="0"/>
-              </a:endParaRPr>
             </a:p>
           </p:txBody>
         </p:sp>
@@ -26498,21 +26271,6 @@
                 </a:rPr>
                 <a:t>Nov</a:t>
               </a:r>
-              <a:endParaRPr lang="en-US" sz="1960" dirty="0">
-                <a:gradFill>
-                  <a:gsLst>
-                    <a:gs pos="0">
-                      <a:schemeClr val="tx1"/>
-                    </a:gs>
-                    <a:gs pos="100000">
-                      <a:schemeClr val="tx1"/>
-                    </a:gs>
-                  </a:gsLst>
-                  <a:lin ang="5400000" scaled="0"/>
-                </a:gradFill>
-                <a:latin typeface="Segoe UI" panose="020B0502040204020203" pitchFamily="34" charset="0"/>
-                <a:cs typeface="Segoe UI" panose="020B0502040204020203" pitchFamily="34" charset="0"/>
-              </a:endParaRPr>
             </a:p>
           </p:txBody>
         </p:sp>
@@ -26574,21 +26332,6 @@
                 </a:rPr>
                 <a:t>Dec</a:t>
               </a:r>
-              <a:endParaRPr lang="en-US" sz="1960" dirty="0">
-                <a:gradFill>
-                  <a:gsLst>
-                    <a:gs pos="0">
-                      <a:schemeClr val="tx1"/>
-                    </a:gs>
-                    <a:gs pos="100000">
-                      <a:schemeClr val="tx1"/>
-                    </a:gs>
-                  </a:gsLst>
-                  <a:lin ang="5400000" scaled="0"/>
-                </a:gradFill>
-                <a:latin typeface="Segoe UI" panose="020B0502040204020203" pitchFamily="34" charset="0"/>
-                <a:cs typeface="Segoe UI" panose="020B0502040204020203" pitchFamily="34" charset="0"/>
-              </a:endParaRPr>
             </a:p>
           </p:txBody>
         </p:sp>
@@ -27338,40 +27081,7 @@
                   <a:ea typeface="Segoe UI" panose="020B0502040204020203" pitchFamily="34" charset="0"/>
                   <a:cs typeface="Segoe UI Semibold" panose="020B0702040204020203" pitchFamily="34" charset="0"/>
                 </a:rPr>
-                <a:t>Shipping </a:t>
-              </a:r>
-              <a:r>
-                <a:rPr lang="en-US" sz="1372" dirty="0">
-                  <a:solidFill>
-                    <a:schemeClr val="accent6"/>
-                  </a:solidFill>
-                  <a:latin typeface="Segoe UI Semibold" panose="020B0702040204020203" pitchFamily="34" charset="0"/>
-                  <a:ea typeface="Segoe UI" panose="020B0502040204020203" pitchFamily="34" charset="0"/>
-                  <a:cs typeface="Segoe UI Semibold" panose="020B0702040204020203" pitchFamily="34" charset="0"/>
-                </a:rPr>
-                <a:t>your </a:t>
-              </a:r>
-              <a:r>
-                <a:rPr lang="en-US" sz="1372" dirty="0">
-                  <a:solidFill>
-                    <a:schemeClr val="accent6"/>
-                  </a:solidFill>
-                  <a:latin typeface="Segoe UI Semibold" panose="020B0702040204020203" pitchFamily="34" charset="0"/>
-                  <a:ea typeface="Segoe UI" panose="020B0502040204020203" pitchFamily="34" charset="0"/>
-                  <a:cs typeface="Segoe UI Semibold" panose="020B0702040204020203" pitchFamily="34" charset="0"/>
-                </a:rPr>
-                <a:t>Office 365 </a:t>
-              </a:r>
-              <a:r>
-                <a:rPr lang="en-US" sz="1372" dirty="0">
-                  <a:solidFill>
-                    <a:schemeClr val="accent6"/>
-                  </a:solidFill>
-                  <a:latin typeface="Segoe UI Semibold" panose="020B0702040204020203" pitchFamily="34" charset="0"/>
-                  <a:ea typeface="Segoe UI" panose="020B0502040204020203" pitchFamily="34" charset="0"/>
-                  <a:cs typeface="Segoe UI Semibold" panose="020B0702040204020203" pitchFamily="34" charset="0"/>
-                </a:rPr>
-                <a:t>App </a:t>
+                <a:t>Shipping your Office 365 App </a:t>
               </a:r>
               <a:br>
                 <a:rPr lang="en-US" sz="1372" dirty="0">
@@ -27415,14 +27125,6 @@
                 </a:rPr>
                 <a:t>Office Store </a:t>
               </a:r>
-              <a:endParaRPr lang="en-US" sz="1372" dirty="0">
-                <a:solidFill>
-                  <a:schemeClr val="accent6"/>
-                </a:solidFill>
-                <a:latin typeface="Segoe UI Semibold" panose="020B0702040204020203" pitchFamily="34" charset="0"/>
-                <a:ea typeface="Segoe UI" panose="020B0502040204020203" pitchFamily="34" charset="0"/>
-                <a:cs typeface="Segoe UI Semibold" panose="020B0702040204020203" pitchFamily="34" charset="0"/>
-              </a:endParaRPr>
             </a:p>
           </p:txBody>
         </p:sp>
@@ -27496,17 +27198,6 @@
                 </a:rPr>
                 <a:t>Deep dive into </a:t>
               </a:r>
-              <a:r>
-                <a:rPr lang="en-US" sz="1372" dirty="0">
-                  <a:solidFill>
-                    <a:schemeClr val="accent6"/>
-                  </a:solidFill>
-                  <a:latin typeface="Segoe UI Semibold" panose="020B0702040204020203" pitchFamily="34" charset="0"/>
-                  <a:ea typeface="Segoe UI" panose="020B0502040204020203" pitchFamily="34" charset="0"/>
-                  <a:cs typeface="Segoe UI Semibold" panose="020B0702040204020203" pitchFamily="34" charset="0"/>
-                </a:rPr>
-                <a:t/>
-              </a:r>
               <a:br>
                 <a:rPr lang="en-US" sz="1372" dirty="0">
                   <a:solidFill>
@@ -27526,18 +27217,7 @@
                   <a:ea typeface="Segoe UI" panose="020B0502040204020203" pitchFamily="34" charset="0"/>
                   <a:cs typeface="Segoe UI Semibold" panose="020B0702040204020203" pitchFamily="34" charset="0"/>
                 </a:rPr>
-                <a:t>the </a:t>
-              </a:r>
-              <a:r>
-                <a:rPr lang="en-US" sz="1372" dirty="0">
-                  <a:solidFill>
-                    <a:schemeClr val="accent6"/>
-                  </a:solidFill>
-                  <a:latin typeface="Segoe UI Semibold" panose="020B0702040204020203" pitchFamily="34" charset="0"/>
-                  <a:ea typeface="Segoe UI" panose="020B0502040204020203" pitchFamily="34" charset="0"/>
-                  <a:cs typeface="Segoe UI Semibold" panose="020B0702040204020203" pitchFamily="34" charset="0"/>
-                </a:rPr>
-                <a:t>building blocks and services of the SharePoint platform </a:t>
+                <a:t>the building blocks and services of the SharePoint platform </a:t>
               </a:r>
             </a:p>
           </p:txBody>
@@ -27728,21 +27408,6 @@
                 </a:rPr>
                 <a:t>Feb</a:t>
               </a:r>
-              <a:endParaRPr lang="en-US" sz="1960" dirty="0">
-                <a:gradFill>
-                  <a:gsLst>
-                    <a:gs pos="0">
-                      <a:schemeClr val="tx1"/>
-                    </a:gs>
-                    <a:gs pos="100000">
-                      <a:schemeClr val="tx1"/>
-                    </a:gs>
-                  </a:gsLst>
-                  <a:lin ang="5400000" scaled="0"/>
-                </a:gradFill>
-                <a:latin typeface="Segoe UI" panose="020B0502040204020203" pitchFamily="34" charset="0"/>
-                <a:cs typeface="Segoe UI" panose="020B0502040204020203" pitchFamily="34" charset="0"/>
-              </a:endParaRPr>
             </a:p>
           </p:txBody>
         </p:sp>
@@ -28420,26 +28085,7 @@
                 <a:ea typeface="Segoe UI" pitchFamily="34" charset="0"/>
                 <a:cs typeface="Segoe UI" pitchFamily="34" charset="0"/>
               </a:rPr>
-              <a:t>2014 </a:t>
-            </a:r>
-            <a:r>
-              <a:rPr lang="en-US" sz="700" dirty="0" smtClean="0">
-                <a:gradFill>
-                  <a:gsLst>
-                    <a:gs pos="0">
-                      <a:schemeClr val="tx1"/>
-                    </a:gs>
-                    <a:gs pos="100000">
-                      <a:schemeClr val="tx1"/>
-                    </a:gs>
-                  </a:gsLst>
-                  <a:lin ang="5400000" scaled="0"/>
-                </a:gradFill>
-                <a:latin typeface="Segoe UI" pitchFamily="34" charset="0"/>
-                <a:ea typeface="Segoe UI" pitchFamily="34" charset="0"/>
-                <a:cs typeface="Segoe UI" pitchFamily="34" charset="0"/>
-              </a:rPr>
-              <a:t>Microsoft </a:t>
+              <a:t>2014 Microsoft </a:t>
             </a:r>
             <a:r>
               <a:rPr lang="en-US" sz="700" dirty="0">
@@ -28714,13 +28360,13 @@
   <p:clrMapOvr>
     <a:masterClrMapping/>
   </p:clrMapOvr>
-  <mc:AlternateContent xmlns:mc="http://schemas.openxmlformats.org/markup-compatibility/2006">
-    <mc:Choice xmlns:p14="http://schemas.microsoft.com/office/powerpoint/2010/main" Requires="p14">
+  <mc:AlternateContent xmlns:mc="http://schemas.openxmlformats.org/markup-compatibility/2006" xmlns:p14="http://schemas.microsoft.com/office/powerpoint/2010/main">
+    <mc:Choice Requires="p14">
       <p:transition spd="slow" p14:dur="3400">
         <p14:reveal/>
       </p:transition>
     </mc:Choice>
-    <mc:Fallback>
+    <mc:Fallback xmlns="">
       <p:transition spd="slow">
         <p:fade/>
       </p:transition>
@@ -28805,7 +28451,7 @@
                 <a:gridCol w="11225057">
                   <a:extLst>
                     <a:ext uri="{9D8B030D-6E8A-4147-A177-3AD203B41FA5}">
-                      <a16:colId xmlns:a16="http://schemas.microsoft.com/office/drawing/2014/main" val="1253488153"/>
+                      <a16:colId xmlns:a16="http://schemas.microsoft.com/office/drawing/2014/main" xmlns="" val="1253488153"/>
                     </a:ext>
                   </a:extLst>
                 </a:gridCol>
@@ -28827,7 +28473,7 @@
                 </a:tc>
                 <a:extLst>
                   <a:ext uri="{0D108BD9-81ED-4DB2-BD59-A6C34878D82A}">
-                    <a16:rowId xmlns:a16="http://schemas.microsoft.com/office/drawing/2014/main" val="829859176"/>
+                    <a16:rowId xmlns:a16="http://schemas.microsoft.com/office/drawing/2014/main" xmlns="" val="829859176"/>
                   </a:ext>
                 </a:extLst>
               </a:tr>
@@ -28848,7 +28494,7 @@
                 </a:tc>
                 <a:extLst>
                   <a:ext uri="{0D108BD9-81ED-4DB2-BD59-A6C34878D82A}">
-                    <a16:rowId xmlns:a16="http://schemas.microsoft.com/office/drawing/2014/main" val="1946132611"/>
+                    <a16:rowId xmlns:a16="http://schemas.microsoft.com/office/drawing/2014/main" xmlns="" val="1946132611"/>
                   </a:ext>
                 </a:extLst>
               </a:tr>
@@ -28890,7 +28536,7 @@
                 </a:tc>
                 <a:extLst>
                   <a:ext uri="{0D108BD9-81ED-4DB2-BD59-A6C34878D82A}">
-                    <a16:rowId xmlns:a16="http://schemas.microsoft.com/office/drawing/2014/main" val="3204002662"/>
+                    <a16:rowId xmlns:a16="http://schemas.microsoft.com/office/drawing/2014/main" xmlns="" val="3204002662"/>
                   </a:ext>
                 </a:extLst>
               </a:tr>
@@ -28927,7 +28573,7 @@
                 </a:tc>
                 <a:extLst>
                   <a:ext uri="{0D108BD9-81ED-4DB2-BD59-A6C34878D82A}">
-                    <a16:rowId xmlns:a16="http://schemas.microsoft.com/office/drawing/2014/main" val="4266278162"/>
+                    <a16:rowId xmlns:a16="http://schemas.microsoft.com/office/drawing/2014/main" xmlns="" val="4266278162"/>
                   </a:ext>
                 </a:extLst>
               </a:tr>
@@ -28964,7 +28610,7 @@
                 </a:tc>
                 <a:extLst>
                   <a:ext uri="{0D108BD9-81ED-4DB2-BD59-A6C34878D82A}">
-                    <a16:rowId xmlns:a16="http://schemas.microsoft.com/office/drawing/2014/main" val="1363681993"/>
+                    <a16:rowId xmlns:a16="http://schemas.microsoft.com/office/drawing/2014/main" xmlns="" val="1363681993"/>
                   </a:ext>
                 </a:extLst>
               </a:tr>
@@ -29009,7 +28655,7 @@
                 </a:tc>
                 <a:extLst>
                   <a:ext uri="{0D108BD9-81ED-4DB2-BD59-A6C34878D82A}">
-                    <a16:rowId xmlns:a16="http://schemas.microsoft.com/office/drawing/2014/main" val="939809673"/>
+                    <a16:rowId xmlns:a16="http://schemas.microsoft.com/office/drawing/2014/main" xmlns="" val="939809673"/>
                   </a:ext>
                 </a:extLst>
               </a:tr>
@@ -29046,7 +28692,7 @@
                 </a:tc>
                 <a:extLst>
                   <a:ext uri="{0D108BD9-81ED-4DB2-BD59-A6C34878D82A}">
-                    <a16:rowId xmlns:a16="http://schemas.microsoft.com/office/drawing/2014/main" val="1525894539"/>
+                    <a16:rowId xmlns:a16="http://schemas.microsoft.com/office/drawing/2014/main" xmlns="" val="1525894539"/>
                   </a:ext>
                 </a:extLst>
               </a:tr>
@@ -29083,7 +28729,7 @@
                 </a:tc>
                 <a:extLst>
                   <a:ext uri="{0D108BD9-81ED-4DB2-BD59-A6C34878D82A}">
-                    <a16:rowId xmlns:a16="http://schemas.microsoft.com/office/drawing/2014/main" val="2958622535"/>
+                    <a16:rowId xmlns:a16="http://schemas.microsoft.com/office/drawing/2014/main" xmlns="" val="2958622535"/>
                   </a:ext>
                 </a:extLst>
               </a:tr>
@@ -29148,11 +28794,7 @@
           <a:p>
             <a:r>
               <a:rPr lang="en-US" sz="4800" b="1" dirty="0"/>
-              <a:t>Deep </a:t>
-            </a:r>
-            <a:r>
-              <a:rPr lang="en-US" sz="4800" b="1" dirty="0"/>
-              <a:t>Dive into Office 365 APIs for SharePoint Site services</a:t>
+              <a:t>Deep Dive into Office 365 APIs for SharePoint Site services</a:t>
             </a:r>
           </a:p>
         </p:txBody>
@@ -30922,21 +30564,6 @@
 </file>
 
 <file path=customXml/item1.xml><?xml version="1.0" encoding="utf-8"?>
-<?mso-contentType ?>
-<FormTemplates xmlns="http://schemas.microsoft.com/sharepoint/v3/contenttype/forms">
-  <Display>DocumentLibraryForm</Display>
-  <Edit>DocumentLibraryForm</Edit>
-  <New>DocumentLibraryForm</New>
-</FormTemplates>
-</file>
-
-<file path=customXml/item2.xml><?xml version="1.0" encoding="utf-8"?>
-<p:properties xmlns:p="http://schemas.microsoft.com/office/2006/metadata/properties" xmlns:xsi="http://www.w3.org/2001/XMLSchema-instance" xmlns:pc="http://schemas.microsoft.com/office/infopath/2007/PartnerControls">
-  <documentManagement/>
-</p:properties>
-</file>
-
-<file path=customXml/item3.xml><?xml version="1.0" encoding="utf-8"?>
 <ct:contentTypeSchema xmlns:ct="http://schemas.microsoft.com/office/2006/metadata/contentType" xmlns:ma="http://schemas.microsoft.com/office/2006/metadata/properties/metaAttributes" ct:_="" ma:_="" ma:contentTypeName="Document" ma:contentTypeID="0x010100A2E4C90AA7333249A7DBC8CC6F49919B" ma:contentTypeVersion="1" ma:contentTypeDescription="Create a new document." ma:contentTypeScope="" ma:versionID="e7b09f0f38d7ed30c7da14951e97abcc">
   <xsd:schema xmlns:xsd="http://www.w3.org/2001/XMLSchema" xmlns:xs="http://www.w3.org/2001/XMLSchema" xmlns:p="http://schemas.microsoft.com/office/2006/metadata/properties" xmlns:ns2="5fad15d0-477e-40da-a20d-40d4ca777cbd" targetNamespace="http://schemas.microsoft.com/office/2006/metadata/properties" ma:root="true" ma:fieldsID="0cee24db179c30c5ebec40b677cadf70" ns2:_="">
     <xsd:import namespace="5fad15d0-477e-40da-a20d-40d4ca777cbd"/>
@@ -31076,10 +30703,35 @@
 </ct:contentTypeSchema>
 </file>
 
+<file path=customXml/item2.xml><?xml version="1.0" encoding="utf-8"?>
+<p:properties xmlns:p="http://schemas.microsoft.com/office/2006/metadata/properties" xmlns:xsi="http://www.w3.org/2001/XMLSchema-instance" xmlns:pc="http://schemas.microsoft.com/office/infopath/2007/PartnerControls">
+  <documentManagement/>
+</p:properties>
+</file>
+
+<file path=customXml/item3.xml><?xml version="1.0" encoding="utf-8"?>
+<?mso-contentType ?>
+<FormTemplates xmlns="http://schemas.microsoft.com/sharepoint/v3/contenttype/forms">
+  <Display>DocumentLibraryForm</Display>
+  <Edit>DocumentLibraryForm</Edit>
+  <New>DocumentLibraryForm</New>
+</FormTemplates>
+</file>
+
 <file path=customXml/itemProps1.xml><?xml version="1.0" encoding="utf-8"?>
-<ds:datastoreItem xmlns:ds="http://schemas.openxmlformats.org/officeDocument/2006/customXml" ds:itemID="{E1E0CE18-CA03-4891-9CD8-3448778E3D53}">
+<ds:datastoreItem xmlns:ds="http://schemas.openxmlformats.org/officeDocument/2006/customXml" ds:itemID="{F17DCE38-6787-497B-B958-75817420EB1E}">
   <ds:schemaRefs>
-    <ds:schemaRef ds:uri="http://schemas.microsoft.com/sharepoint/v3/contenttype/forms"/>
+    <ds:schemaRef ds:uri="http://schemas.microsoft.com/office/2006/metadata/contentType"/>
+    <ds:schemaRef ds:uri="http://schemas.microsoft.com/office/2006/metadata/properties/metaAttributes"/>
+    <ds:schemaRef ds:uri="http://www.w3.org/2001/XMLSchema"/>
+    <ds:schemaRef ds:uri="http://schemas.microsoft.com/office/2006/metadata/properties"/>
+    <ds:schemaRef ds:uri="5fad15d0-477e-40da-a20d-40d4ca777cbd"/>
+    <ds:schemaRef ds:uri="http://schemas.microsoft.com/office/2006/documentManagement/types"/>
+    <ds:schemaRef ds:uri="http://schemas.microsoft.com/office/infopath/2007/PartnerControls"/>
+    <ds:schemaRef ds:uri="http://schemas.openxmlformats.org/package/2006/metadata/core-properties"/>
+    <ds:schemaRef ds:uri="http://purl.org/dc/elements/1.1/"/>
+    <ds:schemaRef ds:uri="http://purl.org/dc/terms/"/>
+    <ds:schemaRef ds:uri="http://schemas.microsoft.com/internal/obd"/>
   </ds:schemaRefs>
 </ds:datastoreItem>
 </file>
@@ -31101,19 +30753,9 @@
 </file>
 
 <file path=customXml/itemProps3.xml><?xml version="1.0" encoding="utf-8"?>
-<ds:datastoreItem xmlns:ds="http://schemas.openxmlformats.org/officeDocument/2006/customXml" ds:itemID="{F17DCE38-6787-497B-B958-75817420EB1E}">
+<ds:datastoreItem xmlns:ds="http://schemas.openxmlformats.org/officeDocument/2006/customXml" ds:itemID="{E1E0CE18-CA03-4891-9CD8-3448778E3D53}">
   <ds:schemaRefs>
-    <ds:schemaRef ds:uri="http://schemas.microsoft.com/office/2006/metadata/contentType"/>
-    <ds:schemaRef ds:uri="http://schemas.microsoft.com/office/2006/metadata/properties/metaAttributes"/>
-    <ds:schemaRef ds:uri="http://www.w3.org/2001/XMLSchema"/>
-    <ds:schemaRef ds:uri="http://schemas.microsoft.com/office/2006/metadata/properties"/>
-    <ds:schemaRef ds:uri="5fad15d0-477e-40da-a20d-40d4ca777cbd"/>
-    <ds:schemaRef ds:uri="http://schemas.microsoft.com/office/2006/documentManagement/types"/>
-    <ds:schemaRef ds:uri="http://schemas.microsoft.com/office/infopath/2007/PartnerControls"/>
-    <ds:schemaRef ds:uri="http://schemas.openxmlformats.org/package/2006/metadata/core-properties"/>
-    <ds:schemaRef ds:uri="http://purl.org/dc/elements/1.1/"/>
-    <ds:schemaRef ds:uri="http://purl.org/dc/terms/"/>
-    <ds:schemaRef ds:uri="http://schemas.microsoft.com/internal/obd"/>
+    <ds:schemaRef ds:uri="http://schemas.microsoft.com/sharepoint/v3/contenttype/forms"/>
   </ds:schemaRefs>
 </ds:datastoreItem>
 </file>